--- a/hrasna.pptx
+++ b/hrasna.pptx
@@ -16,6 +16,8 @@
     <p:sldId id="261" r:id="rId13"/>
     <p:sldId id="262" r:id="rId14"/>
     <p:sldId id="263" r:id="rId15"/>
+    <p:sldId id="264" r:id="rId16"/>
+    <p:sldId id="265" r:id="rId17"/>
   </p:sldIdLst>
   <p:sldSz cx="13004800" cy="9753600"/>
   <p:notesSz cx="6858000" cy="9144000"/>
@@ -4667,6 +4669,127 @@
 </p:sld>
 </file>
 
+<file path=ppt/slides/slide10.xml><?xml version="1.0" encoding="utf-8"?>
+<p:sld xmlns:a="http://schemas.openxmlformats.org/drawingml/2006/main" xmlns:r="http://schemas.openxmlformats.org/officeDocument/2006/relationships" xmlns:p="http://schemas.openxmlformats.org/presentationml/2006/main" xmlns:m="http://schemas.openxmlformats.org/officeDocument/2006/math" xmlns:a14="http://schemas.microsoft.com/office/drawing/2010/main" showMasterSp="1" showMasterPhAnim="1">
+  <p:cSld>
+    <p:spTree>
+      <p:nvGrpSpPr>
+        <p:cNvPr id="1" name=""/>
+        <p:cNvGrpSpPr/>
+        <p:nvPr/>
+      </p:nvGrpSpPr>
+      <p:grpSpPr>
+        <a:xfrm>
+          <a:off x="0" y="0"/>
+          <a:ext cx="0" cy="0"/>
+          <a:chOff x="0" y="0"/>
+          <a:chExt cx="0" cy="0"/>
+        </a:xfrm>
+      </p:grpSpPr>
+      <p:sp>
+        <p:nvSpPr>
+          <p:cNvPr id="192" name="Sources"/>
+          <p:cNvSpPr txBox="1"/>
+          <p:nvPr>
+            <p:ph type="title"/>
+          </p:nvPr>
+        </p:nvSpPr>
+        <p:spPr>
+          <a:prstGeom prst="rect">
+            <a:avLst/>
+          </a:prstGeom>
+        </p:spPr>
+        <p:txBody>
+          <a:bodyPr/>
+          <a:lstStyle>
+            <a:lvl1pPr defTabSz="467359">
+              <a:spcBef>
+                <a:spcPts val="2200"/>
+              </a:spcBef>
+              <a:defRPr sz="4800"/>
+            </a:lvl1pPr>
+          </a:lstStyle>
+          <a:p>
+            <a:pPr/>
+            <a:r>
+              <a:t>Sources</a:t>
+            </a:r>
+          </a:p>
+        </p:txBody>
+      </p:sp>
+      <p:sp>
+        <p:nvSpPr>
+          <p:cNvPr id="193" name="https://www.commoncriteriaportal.org/files/epfiles/[ST-LITE]%20SecurityTarget-Lite_JCOP5.1_v2.2.pdf…"/>
+          <p:cNvSpPr txBox="1"/>
+          <p:nvPr>
+            <p:ph type="body" idx="1"/>
+          </p:nvPr>
+        </p:nvSpPr>
+        <p:spPr>
+          <a:prstGeom prst="rect">
+            <a:avLst/>
+          </a:prstGeom>
+        </p:spPr>
+        <p:txBody>
+          <a:bodyPr/>
+          <a:lstStyle/>
+          <a:p>
+            <a:pPr/>
+            <a:r>
+              <a:rPr u="sng">
+                <a:solidFill>
+                  <a:schemeClr val="accent1"/>
+                </a:solidFill>
+                <a:hlinkClick r:id="rId2" invalidUrl="" action="" tgtFrame="" tooltip="" history="1" highlightClick="0" endSnd="0"/>
+              </a:rPr>
+              <a:t>https://www.commoncriteriaportal.org/files/epfiles/[ST-LITE]%20SecurityTarget-Lite_JCOP5.1_v2.2.pdf</a:t>
+            </a:r>
+            <a:endParaRPr>
+              <a:solidFill>
+                <a:srgbClr val="000000"/>
+              </a:solidFill>
+            </a:endParaRPr>
+          </a:p>
+          <a:p>
+            <a:pPr/>
+            <a:r>
+              <a:rPr u="sng">
+                <a:solidFill>
+                  <a:schemeClr val="accent1"/>
+                </a:solidFill>
+                <a:hlinkClick r:id="rId3" invalidUrl="" action="" tgtFrame="" tooltip="" history="1" highlightClick="0" endSnd="0"/>
+              </a:rPr>
+              <a:t>https://www.commoncriteriaportal.org/files/epfiles/Certification%20Report%20NSCIB-CC-221699-CR2.pdf</a:t>
+            </a:r>
+            <a:endParaRPr>
+              <a:solidFill>
+                <a:srgbClr val="000000"/>
+              </a:solidFill>
+            </a:endParaRPr>
+          </a:p>
+          <a:p>
+            <a:pPr/>
+            <a:r>
+              <a:rPr u="sng">
+                <a:solidFill>
+                  <a:schemeClr val="accent1"/>
+                </a:solidFill>
+                <a:hlinkClick r:id="rId4" invalidUrl="" action="" tgtFrame="" tooltip="" history="1" highlightClick="0" endSnd="0"/>
+              </a:rPr>
+              <a:t>https://www.commoncriteriaportal.org/files/epfiles/NSCIB-CC-221699-MA.pdf</a:t>
+            </a:r>
+          </a:p>
+        </p:txBody>
+      </p:sp>
+    </p:spTree>
+  </p:cSld>
+  <p:clrMapOvr>
+    <a:masterClrMapping/>
+  </p:clrMapOvr>
+  <p:transition xmlns:p14="http://schemas.microsoft.com/office/powerpoint/2010/main" spd="med" advClick="1"/>
+</p:sld>
+</file>
+
 <file path=ppt/slides/slide2.xml><?xml version="1.0" encoding="utf-8"?>
 <p:sld xmlns:a="http://schemas.openxmlformats.org/drawingml/2006/main" xmlns:r="http://schemas.openxmlformats.org/officeDocument/2006/relationships" xmlns:p="http://schemas.openxmlformats.org/presentationml/2006/main" xmlns:m="http://schemas.openxmlformats.org/officeDocument/2006/math" xmlns:a14="http://schemas.microsoft.com/office/drawing/2010/main" showMasterSp="1" showMasterPhAnim="1">
   <p:cSld>
@@ -4717,7 +4840,7 @@
       </p:sp>
       <p:sp>
         <p:nvSpPr>
-          <p:cNvPr id="170" name="Java Card smart card OS…"/>
+          <p:cNvPr id="170" name="Composite TOE…"/>
           <p:cNvSpPr txBox="1"/>
           <p:nvPr>
             <p:ph type="body" idx="1"/>
@@ -4734,31 +4857,37 @@
           <a:p>
             <a:pPr/>
             <a:r>
+              <a:t>Composite TOE</a:t>
+            </a:r>
+          </a:p>
+          <a:p>
+            <a:pPr lvl="1"/>
+            <a:r>
               <a:t>Java Card smart card OS</a:t>
             </a:r>
           </a:p>
           <a:p>
-            <a:pPr/>
-            <a:r>
-              <a:t>an OS updater</a:t>
-            </a:r>
-          </a:p>
-          <a:p>
-            <a:pPr/>
-            <a:r>
-              <a:t>restricted mode and underlying platform</a:t>
-            </a:r>
-          </a:p>
-          <a:p>
             <a:pPr lvl="1"/>
             <a:r>
-              <a:t>a library providing cryptographic function</a:t>
+              <a:t>Secure element (micro-controller)</a:t>
+            </a:r>
+          </a:p>
+          <a:p>
+            <a:pPr/>
+            <a:r>
+              <a:t>Out of scope</a:t>
             </a:r>
           </a:p>
           <a:p>
             <a:pPr lvl="1"/>
             <a:r>
-              <a:t>a secure micro-controller</a:t>
+              <a:t>NFC controller</a:t>
+            </a:r>
+          </a:p>
+          <a:p>
+            <a:pPr lvl="1"/>
+            <a:r>
+              <a:t>System mailbox</a:t>
             </a:r>
           </a:p>
         </p:txBody>
@@ -4791,7 +4920,7 @@
       </p:grpSpPr>
       <p:pic>
         <p:nvPicPr>
-          <p:cNvPr id="172" name="TOE_visual.png" descr="TOE_visual.png"/>
+          <p:cNvPr id="172" name="SCOPE.png" descr="SCOPE.png"/>
           <p:cNvPicPr>
             <a:picLocks noChangeAspect="1"/>
           </p:cNvPicPr>
@@ -4807,8 +4936,8 @@
         </p:blipFill>
         <p:spPr>
           <a:xfrm>
-            <a:off x="64343" y="233114"/>
-            <a:ext cx="11658601" cy="7594601"/>
+            <a:off x="933449" y="774699"/>
+            <a:ext cx="11137901" cy="8204201"/>
           </a:xfrm>
           <a:prstGeom prst="rect">
             <a:avLst/>
@@ -4818,42 +4947,6 @@
           </a:ln>
         </p:spPr>
       </p:pic>
-      <p:sp>
-        <p:nvSpPr>
-          <p:cNvPr id="173" name="The NFC controller and system mailbox are not within the scope of the evaluation"/>
-          <p:cNvSpPr txBox="1"/>
-          <p:nvPr/>
-        </p:nvSpPr>
-        <p:spPr>
-          <a:xfrm>
-            <a:off x="1070818" y="8528050"/>
-            <a:ext cx="9645651" cy="444500"/>
-          </a:xfrm>
-          <a:prstGeom prst="rect">
-            <a:avLst/>
-          </a:prstGeom>
-          <a:ln w="12700">
-            <a:miter lim="400000"/>
-          </a:ln>
-          <a:extLst>
-            <a:ext uri="{C572A759-6A51-4108-AA02-DFA0A04FC94B}">
-              <ma14:wrappingTextBoxFlag xmlns:ma14="http://schemas.microsoft.com/office/mac/drawingml/2011/main" val="1"/>
-            </a:ext>
-          </a:extLst>
-        </p:spPr>
-        <p:txBody>
-          <a:bodyPr wrap="none" lIns="50800" tIns="50800" rIns="50800" bIns="50800" anchor="ctr">
-            <a:spAutoFit/>
-          </a:bodyPr>
-          <a:lstStyle/>
-          <a:p>
-            <a:pPr/>
-            <a:r>
-              <a:t>The NFC controller and system mailbox are not within the scope of the evaluation </a:t>
-            </a:r>
-          </a:p>
-        </p:txBody>
-      </p:sp>
     </p:spTree>
   </p:cSld>
   <p:clrMapOvr>
@@ -4880,158 +4973,67 @@
           <a:chExt cx="0" cy="0"/>
         </a:xfrm>
       </p:grpSpPr>
-      <p:sp>
-        <p:nvSpPr>
-          <p:cNvPr id="175" name="Certificate details"/>
+      <p:pic>
+        <p:nvPicPr>
+          <p:cNvPr id="174" name="TOE_visual.png" descr="TOE_visual.png"/>
+          <p:cNvPicPr>
+            <a:picLocks noChangeAspect="1"/>
+          </p:cNvPicPr>
+          <p:nvPr/>
+        </p:nvPicPr>
+        <p:blipFill>
+          <a:blip r:embed="rId2">
+            <a:extLst/>
+          </a:blip>
+          <a:stretch>
+            <a:fillRect/>
+          </a:stretch>
+        </p:blipFill>
+        <p:spPr>
+          <a:xfrm>
+            <a:off x="64343" y="233114"/>
+            <a:ext cx="11658601" cy="7594601"/>
+          </a:xfrm>
+          <a:prstGeom prst="rect">
+            <a:avLst/>
+          </a:prstGeom>
+          <a:ln w="12700">
+            <a:miter lim="400000"/>
+          </a:ln>
+        </p:spPr>
+      </p:pic>
+      <p:sp>
+        <p:nvSpPr>
+          <p:cNvPr id="175" name="The NFC controller and system mailbox are not within the scope of the evaluation"/>
           <p:cNvSpPr txBox="1"/>
-          <p:nvPr>
-            <p:ph type="title"/>
-          </p:nvPr>
-        </p:nvSpPr>
-        <p:spPr>
+          <p:nvPr/>
+        </p:nvSpPr>
+        <p:spPr>
+          <a:xfrm>
+            <a:off x="1070818" y="8528050"/>
+            <a:ext cx="9645651" cy="444500"/>
+          </a:xfrm>
           <a:prstGeom prst="rect">
             <a:avLst/>
           </a:prstGeom>
-        </p:spPr>
-        <p:txBody>
-          <a:bodyPr/>
-          <a:lstStyle>
-            <a:lvl1pPr defTabSz="467359">
-              <a:spcBef>
-                <a:spcPts val="2200"/>
-              </a:spcBef>
-              <a:defRPr sz="4800"/>
-            </a:lvl1pPr>
-          </a:lstStyle>
-          <a:p>
-            <a:pPr/>
-            <a:r>
-              <a:t>Certificate details</a:t>
-            </a:r>
-          </a:p>
-        </p:txBody>
-      </p:sp>
-      <p:sp>
-        <p:nvSpPr>
-          <p:cNvPr id="176" name="Assurance Package: EAL5 augmented with AVA_VAN.5, ALC_DVS.2, ASE_TSS.2, ALC_FLR.1…"/>
-          <p:cNvSpPr txBox="1"/>
-          <p:nvPr>
-            <p:ph type="body" idx="1"/>
-          </p:nvPr>
-        </p:nvSpPr>
-        <p:spPr>
-          <a:prstGeom prst="rect">
-            <a:avLst/>
-          </a:prstGeom>
-        </p:spPr>
-        <p:txBody>
-          <a:bodyPr/>
+          <a:ln w="12700">
+            <a:miter lim="400000"/>
+          </a:ln>
+          <a:extLst>
+            <a:ext uri="{C572A759-6A51-4108-AA02-DFA0A04FC94B}">
+              <ma14:wrappingTextBoxFlag xmlns:ma14="http://schemas.microsoft.com/office/mac/drawingml/2011/main" val="1"/>
+            </a:ext>
+          </a:extLst>
+        </p:spPr>
+        <p:txBody>
+          <a:bodyPr wrap="none" lIns="50800" tIns="50800" rIns="50800" bIns="50800" anchor="ctr">
+            <a:spAutoFit/>
+          </a:bodyPr>
           <a:lstStyle/>
           <a:p>
-            <a:pPr marL="288925" indent="-288925" defTabSz="379729">
-              <a:spcBef>
-                <a:spcPts val="1800"/>
-              </a:spcBef>
-              <a:defRPr sz="2209"/>
-            </a:pPr>
-            <a:r>
-              <a:t>Assurance Package: EAL5 augmented with AVA_VAN.5, ALC_DVS.2, ASE_TSS.2, ALC_FLR.1</a:t>
-            </a:r>
-          </a:p>
-          <a:p>
-            <a:pPr marL="288925" indent="-288925" defTabSz="379729">
-              <a:spcBef>
-                <a:spcPts val="1800"/>
-              </a:spcBef>
-              <a:defRPr sz="2209"/>
-            </a:pPr>
-            <a:r>
-              <a:t>Protection Profile Conformance: Java Card Protection Profile - Open Configuration, v 3.0.5 certified by BSI (GER)</a:t>
-            </a:r>
-          </a:p>
-          <a:p>
-            <a:pPr marL="288925" indent="-288925" defTabSz="379729">
-              <a:spcBef>
-                <a:spcPts val="1800"/>
-              </a:spcBef>
-              <a:defRPr sz="2209"/>
-            </a:pPr>
-            <a:r>
-              <a:t>StandardL Common Criteria for Information Technology Security Evaluation (CC) Version 3.1 Revision 5 (ISO/IEC 15408)</a:t>
-            </a:r>
-          </a:p>
-          <a:p>
-            <a:pPr marL="288925" indent="-288925" defTabSz="379729">
-              <a:spcBef>
-                <a:spcPts val="1800"/>
-              </a:spcBef>
-              <a:defRPr sz="2209"/>
-            </a:pPr>
-            <a:r>
-              <a:t>Certificate number: CC-19-221699-2</a:t>
-            </a:r>
-            <a:endParaRPr sz="780">
-              <a:solidFill>
-                <a:srgbClr val="000000"/>
-              </a:solidFill>
-            </a:endParaRPr>
-          </a:p>
-          <a:p>
-            <a:pPr marL="288925" indent="-288925" defTabSz="379729">
-              <a:spcBef>
-                <a:spcPts val="1800"/>
-              </a:spcBef>
-              <a:defRPr sz="2209"/>
-            </a:pPr>
-            <a:r>
-              <a:t>Project number: 221699 </a:t>
-            </a:r>
-          </a:p>
-          <a:p>
-            <a:pPr marL="288925" indent="-288925" defTabSz="379729">
-              <a:spcBef>
-                <a:spcPts val="1800"/>
-              </a:spcBef>
-              <a:defRPr sz="2209"/>
-            </a:pPr>
-            <a:r>
-              <a:t>Evaluation facility: Brightsight BV, Delft, NE; Applying the Common Methodology for IT Security Evaluation (CEM) v 3.1 Revision 5 (ISO/IEC 18045)</a:t>
-            </a:r>
-          </a:p>
-          <a:p>
-            <a:pPr marL="288925" indent="-288925" defTabSz="379729">
-              <a:spcBef>
-                <a:spcPts val="1800"/>
-              </a:spcBef>
-              <a:defRPr sz="2209"/>
-            </a:pPr>
-            <a:r>
-              <a:t>Validity</a:t>
-            </a:r>
-          </a:p>
-          <a:p>
-            <a:pPr lvl="1" marL="577850" indent="-288925" defTabSz="379729">
-              <a:spcBef>
-                <a:spcPts val="1800"/>
-              </a:spcBef>
-              <a:defRPr sz="2209"/>
-            </a:pPr>
-            <a:r>
-              <a:t>1</a:t>
-            </a:r>
-            <a:r>
-              <a:rPr baseline="31999"/>
-              <a:t>st</a:t>
-            </a:r>
-            <a:r>
-              <a:t> issue: 30/04/2019, 2</a:t>
-            </a:r>
-            <a:r>
-              <a:rPr baseline="31999"/>
-              <a:t>nd</a:t>
-            </a:r>
-            <a:r>
-              <a:t> issue: 29/11/2019, Expiry: 30/04/2024</a:t>
+            <a:pPr/>
+            <a:r>
+              <a:t>The NFC controller and system mailbox are not within the scope of the evaluation </a:t>
             </a:r>
           </a:p>
         </p:txBody>
@@ -5064,7 +5066,7 @@
       </p:grpSpPr>
       <p:sp>
         <p:nvSpPr>
-          <p:cNvPr id="178" name="Security assumptions &amp; scope"/>
+          <p:cNvPr id="177" name="Certificate details"/>
           <p:cNvSpPr txBox="1"/>
           <p:nvPr>
             <p:ph type="title"/>
@@ -5088,14 +5090,14 @@
           <a:p>
             <a:pPr/>
             <a:r>
-              <a:t>Security assumptions &amp; scope</a:t>
-            </a:r>
-          </a:p>
-        </p:txBody>
-      </p:sp>
-      <p:sp>
-        <p:nvSpPr>
-          <p:cNvPr id="179" name="The assumptions defined in the Security Target are not covered by the TOE itself, the security objectives must be fulfilled by the TOE-environment…"/>
+              <a:t>Certificate details</a:t>
+            </a:r>
+          </a:p>
+        </p:txBody>
+      </p:sp>
+      <p:sp>
+        <p:nvSpPr>
+          <p:cNvPr id="178" name="Assurance Package: EAL5 augmented with AVA_VAN.5, ALC_DVS.2, ASE_TSS.2, ALC_FLR.1…"/>
           <p:cNvSpPr txBox="1"/>
           <p:nvPr>
             <p:ph type="body" idx="1"/>
@@ -5110,15 +5112,110 @@
           <a:bodyPr/>
           <a:lstStyle/>
           <a:p>
-            <a:pPr/>
-            <a:r>
-              <a:t>The assumptions defined in the Security Target are not covered by the TOE itself, the security objectives must be fulfilled by the TOE-environment </a:t>
-            </a:r>
-          </a:p>
-          <a:p>
-            <a:pPr/>
-            <a:r>
-              <a:t>Proprietary applications such as FeliCa and Mifare API are included in the TOE, but there are no security claims for these applications in this certificate.</a:t>
+            <a:pPr marL="288925" indent="-288925" defTabSz="379729">
+              <a:spcBef>
+                <a:spcPts val="1800"/>
+              </a:spcBef>
+              <a:defRPr sz="2209"/>
+            </a:pPr>
+            <a:r>
+              <a:t>Assurance Package: EAL5 augmented with AVA_VAN.5, ALC_DVS.2, ASE_TSS.2, ALC_FLR.1</a:t>
+            </a:r>
+          </a:p>
+          <a:p>
+            <a:pPr marL="288925" indent="-288925" defTabSz="379729">
+              <a:spcBef>
+                <a:spcPts val="1800"/>
+              </a:spcBef>
+              <a:defRPr sz="2209"/>
+            </a:pPr>
+            <a:r>
+              <a:t>Protection Profile Conformance: Java Card Protection Profile - Open Configuration, v 3.0.5 certified by BSI (GER)</a:t>
+            </a:r>
+          </a:p>
+          <a:p>
+            <a:pPr marL="288925" indent="-288925" defTabSz="379729">
+              <a:spcBef>
+                <a:spcPts val="1800"/>
+              </a:spcBef>
+              <a:defRPr sz="2209"/>
+            </a:pPr>
+            <a:r>
+              <a:t>StandardL Common Criteria for Information Technology Security Evaluation (CC) Version 3.1 Revision 5 (ISO/IEC 15408)</a:t>
+            </a:r>
+          </a:p>
+          <a:p>
+            <a:pPr marL="288925" indent="-288925" defTabSz="379729">
+              <a:spcBef>
+                <a:spcPts val="1800"/>
+              </a:spcBef>
+              <a:defRPr sz="2209"/>
+            </a:pPr>
+            <a:r>
+              <a:t>Certificate number: CC-19-221699-2</a:t>
+            </a:r>
+            <a:endParaRPr sz="780">
+              <a:solidFill>
+                <a:srgbClr val="000000"/>
+              </a:solidFill>
+            </a:endParaRPr>
+          </a:p>
+          <a:p>
+            <a:pPr marL="288925" indent="-288925" defTabSz="379729">
+              <a:spcBef>
+                <a:spcPts val="1800"/>
+              </a:spcBef>
+              <a:defRPr sz="2209"/>
+            </a:pPr>
+            <a:r>
+              <a:t>Project number: 221699 </a:t>
+            </a:r>
+          </a:p>
+          <a:p>
+            <a:pPr marL="288925" indent="-288925" defTabSz="379729">
+              <a:spcBef>
+                <a:spcPts val="1800"/>
+              </a:spcBef>
+              <a:defRPr sz="2209"/>
+            </a:pPr>
+            <a:r>
+              <a:t>Evaluation facility: Brightsight BV, Delft, NE; Applying the Common Methodology for IT Security Evaluation (CEM) v 3.1 Revision 5 (ISO/IEC 18045)</a:t>
+            </a:r>
+          </a:p>
+          <a:p>
+            <a:pPr marL="288925" indent="-288925" defTabSz="379729">
+              <a:spcBef>
+                <a:spcPts val="1800"/>
+              </a:spcBef>
+              <a:defRPr sz="2209"/>
+            </a:pPr>
+            <a:r>
+              <a:t>Validity</a:t>
+            </a:r>
+          </a:p>
+          <a:p>
+            <a:pPr lvl="1" marL="577850" indent="-288925" defTabSz="379729">
+              <a:spcBef>
+                <a:spcPts val="1800"/>
+              </a:spcBef>
+              <a:defRPr sz="2209"/>
+            </a:pPr>
+            <a:r>
+              <a:t>1</a:t>
+            </a:r>
+            <a:r>
+              <a:rPr baseline="31999"/>
+              <a:t>st</a:t>
+            </a:r>
+            <a:r>
+              <a:t> issue: 30/04/2019, 2</a:t>
+            </a:r>
+            <a:r>
+              <a:rPr baseline="31999"/>
+              <a:t>nd</a:t>
+            </a:r>
+            <a:r>
+              <a:t> issue: 29/11/2019, Expiry: 30/04/2024</a:t>
             </a:r>
           </a:p>
         </p:txBody>
@@ -5149,35 +5246,67 @@
           <a:chExt cx="0" cy="0"/>
         </a:xfrm>
       </p:grpSpPr>
-      <p:pic>
-        <p:nvPicPr>
-          <p:cNvPr id="181" name="SCOPE.png" descr="SCOPE.png"/>
-          <p:cNvPicPr>
-            <a:picLocks noChangeAspect="1"/>
-          </p:cNvPicPr>
-          <p:nvPr/>
-        </p:nvPicPr>
-        <p:blipFill>
-          <a:blip r:embed="rId2">
-            <a:extLst/>
-          </a:blip>
-          <a:stretch>
-            <a:fillRect/>
-          </a:stretch>
-        </p:blipFill>
-        <p:spPr>
-          <a:xfrm>
-            <a:off x="933449" y="774699"/>
-            <a:ext cx="11137901" cy="8204201"/>
-          </a:xfrm>
+      <p:sp>
+        <p:nvSpPr>
+          <p:cNvPr id="180" name="Security assumptions &amp; scope"/>
+          <p:cNvSpPr txBox="1"/>
+          <p:nvPr>
+            <p:ph type="title"/>
+          </p:nvPr>
+        </p:nvSpPr>
+        <p:spPr>
           <a:prstGeom prst="rect">
             <a:avLst/>
           </a:prstGeom>
-          <a:ln w="12700">
-            <a:miter lim="400000"/>
-          </a:ln>
-        </p:spPr>
-      </p:pic>
+        </p:spPr>
+        <p:txBody>
+          <a:bodyPr/>
+          <a:lstStyle>
+            <a:lvl1pPr defTabSz="467359">
+              <a:spcBef>
+                <a:spcPts val="2200"/>
+              </a:spcBef>
+              <a:defRPr sz="4800"/>
+            </a:lvl1pPr>
+          </a:lstStyle>
+          <a:p>
+            <a:pPr/>
+            <a:r>
+              <a:t>Security assumptions &amp; scope</a:t>
+            </a:r>
+          </a:p>
+        </p:txBody>
+      </p:sp>
+      <p:sp>
+        <p:nvSpPr>
+          <p:cNvPr id="181" name="The assumptions defined in the Security Target are not covered by the TOE itself, the security objectives must be fulfilled by the TOE-environment…"/>
+          <p:cNvSpPr txBox="1"/>
+          <p:nvPr>
+            <p:ph type="body" idx="1"/>
+          </p:nvPr>
+        </p:nvSpPr>
+        <p:spPr>
+          <a:prstGeom prst="rect">
+            <a:avLst/>
+          </a:prstGeom>
+        </p:spPr>
+        <p:txBody>
+          <a:bodyPr/>
+          <a:lstStyle/>
+          <a:p>
+            <a:pPr/>
+            <a:r>
+              <a:t>The assumptions defined in the Security Target are not covered by the TOE itself, the security objectives must be fulfilled by the TOE-environment </a:t>
+            </a:r>
+          </a:p>
+          <a:p>
+            <a:pPr/>
+            <a:r>
+              <a:t>Proprietary applications such as FeliCa and Mifare API are included in the TOE, but there are no security claims for these applications in this certificate.</a:t>
+            </a:r>
+          </a:p>
+        </p:txBody>
+      </p:sp>
     </p:spTree>
   </p:cSld>
   <p:clrMapOvr>
@@ -5346,7 +5475,7 @@
       </p:sp>
       <p:sp>
         <p:nvSpPr>
-          <p:cNvPr id="187" name="The changes to the certified product are related to a minor change in naming of the TOE and additional platform manufacturing site, not impacting the security functionality of the certified product. The identification of the maintained product is modified to NXP JCOP 5.1 on SN100.C48 Secure Element."/>
+          <p:cNvPr id="187" name="There was only a minor change in the naming of the TOE and an addition to the platform manufacturing site, nothing that would impact the security functionality of the certified product."/>
           <p:cNvSpPr txBox="1"/>
           <p:nvPr>
             <p:ph type="body" idx="1"/>
@@ -5363,7 +5492,88 @@
           <a:p>
             <a:pPr/>
             <a:r>
-              <a:t>The changes to the certified product are related to a minor change in naming of the TOE and additional platform manufacturing site, not impacting the security functionality of the certified product. The identification of the maintained product is modified to NXP JCOP 5.1 on SN100.C48 Secure Element. </a:t>
+              <a:t>There was only a minor change in the naming of the TOE and an addition to the platform manufacturing site, nothing that would impact the security functionality of the certified product. </a:t>
+            </a:r>
+          </a:p>
+        </p:txBody>
+      </p:sp>
+    </p:spTree>
+  </p:cSld>
+  <p:clrMapOvr>
+    <a:masterClrMapping/>
+  </p:clrMapOvr>
+  <p:transition xmlns:p14="http://schemas.microsoft.com/office/powerpoint/2010/main" spd="med" advClick="1"/>
+</p:sld>
+</file>
+
+<file path=ppt/slides/slide9.xml><?xml version="1.0" encoding="utf-8"?>
+<p:sld xmlns:a="http://schemas.openxmlformats.org/drawingml/2006/main" xmlns:r="http://schemas.openxmlformats.org/officeDocument/2006/relationships" xmlns:p="http://schemas.openxmlformats.org/presentationml/2006/main" xmlns:m="http://schemas.openxmlformats.org/officeDocument/2006/math" xmlns:a14="http://schemas.microsoft.com/office/drawing/2010/main" showMasterSp="1" showMasterPhAnim="1">
+  <p:cSld>
+    <p:spTree>
+      <p:nvGrpSpPr>
+        <p:cNvPr id="1" name=""/>
+        <p:cNvGrpSpPr/>
+        <p:nvPr/>
+      </p:nvGrpSpPr>
+      <p:grpSpPr>
+        <a:xfrm>
+          <a:off x="0" y="0"/>
+          <a:ext cx="0" cy="0"/>
+          <a:chOff x="0" y="0"/>
+          <a:chExt cx="0" cy="0"/>
+        </a:xfrm>
+      </p:grpSpPr>
+      <p:sp>
+        <p:nvSpPr>
+          <p:cNvPr id="189" name="Conclusion"/>
+          <p:cNvSpPr txBox="1"/>
+          <p:nvPr>
+            <p:ph type="title"/>
+          </p:nvPr>
+        </p:nvSpPr>
+        <p:spPr>
+          <a:prstGeom prst="rect">
+            <a:avLst/>
+          </a:prstGeom>
+        </p:spPr>
+        <p:txBody>
+          <a:bodyPr/>
+          <a:lstStyle>
+            <a:lvl1pPr defTabSz="467359">
+              <a:spcBef>
+                <a:spcPts val="2200"/>
+              </a:spcBef>
+              <a:defRPr sz="4800"/>
+            </a:lvl1pPr>
+          </a:lstStyle>
+          <a:p>
+            <a:pPr/>
+            <a:r>
+              <a:t>Conclusion</a:t>
+            </a:r>
+          </a:p>
+        </p:txBody>
+      </p:sp>
+      <p:sp>
+        <p:nvSpPr>
+          <p:cNvPr id="190" name="The product is a modern Java Card, providing many cryptographic operations, some handy proprietary functionality and is certified for the next 4 years, so it is secure against all currently publicly known attacks."/>
+          <p:cNvSpPr txBox="1"/>
+          <p:nvPr>
+            <p:ph type="body" idx="1"/>
+          </p:nvPr>
+        </p:nvSpPr>
+        <p:spPr>
+          <a:prstGeom prst="rect">
+            <a:avLst/>
+          </a:prstGeom>
+        </p:spPr>
+        <p:txBody>
+          <a:bodyPr/>
+          <a:lstStyle/>
+          <a:p>
+            <a:pPr/>
+            <a:r>
+              <a:t>The product is a modern Java Card, providing many cryptographic operations, some handy proprietary functionality and is certified for the next 4 years, so it is secure against all currently publicly known attacks.</a:t>
             </a:r>
           </a:p>
         </p:txBody>

--- a/hrasna.pptx
+++ b/hrasna.pptx
@@ -1,23 +1,23 @@
 
 <file path=ppt/presentation.xml><?xml version="1.0" encoding="utf-8"?>
-<p:presentation xmlns:a="http://schemas.openxmlformats.org/drawingml/2006/main" xmlns:r="http://schemas.openxmlformats.org/officeDocument/2006/relationships" xmlns:p="http://schemas.openxmlformats.org/presentationml/2006/main" xmlns:m="http://schemas.openxmlformats.org/officeDocument/2006/math" xmlns:a14="http://schemas.microsoft.com/office/drawing/2010/main">
+<p:presentation xmlns:a="http://schemas.openxmlformats.org/drawingml/2006/main" xmlns:r="http://schemas.openxmlformats.org/officeDocument/2006/relationships" xmlns:p="http://schemas.openxmlformats.org/presentationml/2006/main">
   <p:sldMasterIdLst>
-    <p:sldMasterId id="2147483648" r:id="rId5"/>
+    <p:sldMasterId id="2147483648" r:id="rId1"/>
   </p:sldMasterIdLst>
   <p:notesMasterIdLst>
-    <p:notesMasterId r:id="rId7"/>
+    <p:notesMasterId r:id="rId12"/>
   </p:notesMasterIdLst>
   <p:sldIdLst>
-    <p:sldId id="256" r:id="rId8"/>
-    <p:sldId id="257" r:id="rId9"/>
-    <p:sldId id="258" r:id="rId10"/>
-    <p:sldId id="259" r:id="rId11"/>
-    <p:sldId id="260" r:id="rId12"/>
-    <p:sldId id="261" r:id="rId13"/>
-    <p:sldId id="262" r:id="rId14"/>
-    <p:sldId id="263" r:id="rId15"/>
-    <p:sldId id="264" r:id="rId16"/>
-    <p:sldId id="265" r:id="rId17"/>
+    <p:sldId id="256" r:id="rId2"/>
+    <p:sldId id="257" r:id="rId3"/>
+    <p:sldId id="258" r:id="rId4"/>
+    <p:sldId id="259" r:id="rId5"/>
+    <p:sldId id="260" r:id="rId6"/>
+    <p:sldId id="261" r:id="rId7"/>
+    <p:sldId id="262" r:id="rId8"/>
+    <p:sldId id="263" r:id="rId9"/>
+    <p:sldId id="264" r:id="rId10"/>
+    <p:sldId id="265" r:id="rId11"/>
   </p:sldIdLst>
   <p:sldSz cx="13004800" cy="9753600"/>
   <p:notesSz cx="6858000" cy="9144000"/>
@@ -37,7 +37,7 @@
       <a:buFontTx/>
       <a:buNone/>
       <a:tabLst/>
-      <a:defRPr b="0" baseline="0" cap="none" i="0" spc="0" strike="noStrike" sz="1800" u="none" kumimoji="0" normalizeH="0">
+      <a:defRPr kumimoji="0" sz="1800" b="0" i="0" u="none" strike="noStrike" cap="none" spc="0" normalizeH="0" baseline="0">
         <a:ln>
           <a:noFill/>
         </a:ln>
@@ -63,7 +63,7 @@
       <a:buFontTx/>
       <a:buNone/>
       <a:tabLst/>
-      <a:defRPr b="0" baseline="0" cap="none" i="0" spc="0" strike="noStrike" sz="2000" u="none" kumimoji="0" normalizeH="0">
+      <a:defRPr kumimoji="0" sz="2000" b="0" i="0" u="none" strike="noStrike" cap="none" spc="0" normalizeH="0" baseline="0">
         <a:ln>
           <a:noFill/>
         </a:ln>
@@ -93,7 +93,7 @@
       <a:buFontTx/>
       <a:buNone/>
       <a:tabLst/>
-      <a:defRPr b="0" baseline="0" cap="none" i="0" spc="0" strike="noStrike" sz="2000" u="none" kumimoji="0" normalizeH="0">
+      <a:defRPr kumimoji="0" sz="2000" b="0" i="0" u="none" strike="noStrike" cap="none" spc="0" normalizeH="0" baseline="0">
         <a:ln>
           <a:noFill/>
         </a:ln>
@@ -123,7 +123,7 @@
       <a:buFontTx/>
       <a:buNone/>
       <a:tabLst/>
-      <a:defRPr b="0" baseline="0" cap="none" i="0" spc="0" strike="noStrike" sz="2000" u="none" kumimoji="0" normalizeH="0">
+      <a:defRPr kumimoji="0" sz="2000" b="0" i="0" u="none" strike="noStrike" cap="none" spc="0" normalizeH="0" baseline="0">
         <a:ln>
           <a:noFill/>
         </a:ln>
@@ -153,7 +153,7 @@
       <a:buFontTx/>
       <a:buNone/>
       <a:tabLst/>
-      <a:defRPr b="0" baseline="0" cap="none" i="0" spc="0" strike="noStrike" sz="2000" u="none" kumimoji="0" normalizeH="0">
+      <a:defRPr kumimoji="0" sz="2000" b="0" i="0" u="none" strike="noStrike" cap="none" spc="0" normalizeH="0" baseline="0">
         <a:ln>
           <a:noFill/>
         </a:ln>
@@ -183,7 +183,7 @@
       <a:buFontTx/>
       <a:buNone/>
       <a:tabLst/>
-      <a:defRPr b="0" baseline="0" cap="none" i="0" spc="0" strike="noStrike" sz="2000" u="none" kumimoji="0" normalizeH="0">
+      <a:defRPr kumimoji="0" sz="2000" b="0" i="0" u="none" strike="noStrike" cap="none" spc="0" normalizeH="0" baseline="0">
         <a:ln>
           <a:noFill/>
         </a:ln>
@@ -213,7 +213,7 @@
       <a:buFontTx/>
       <a:buNone/>
       <a:tabLst/>
-      <a:defRPr b="0" baseline="0" cap="none" i="0" spc="0" strike="noStrike" sz="2000" u="none" kumimoji="0" normalizeH="0">
+      <a:defRPr kumimoji="0" sz="2000" b="0" i="0" u="none" strike="noStrike" cap="none" spc="0" normalizeH="0" baseline="0">
         <a:ln>
           <a:noFill/>
         </a:ln>
@@ -243,7 +243,7 @@
       <a:buFontTx/>
       <a:buNone/>
       <a:tabLst/>
-      <a:defRPr b="0" baseline="0" cap="none" i="0" spc="0" strike="noStrike" sz="2000" u="none" kumimoji="0" normalizeH="0">
+      <a:defRPr kumimoji="0" sz="2000" b="0" i="0" u="none" strike="noStrike" cap="none" spc="0" normalizeH="0" baseline="0">
         <a:ln>
           <a:noFill/>
         </a:ln>
@@ -273,7 +273,7 @@
       <a:buFontTx/>
       <a:buNone/>
       <a:tabLst/>
-      <a:defRPr b="0" baseline="0" cap="none" i="0" spc="0" strike="noStrike" sz="2000" u="none" kumimoji="0" normalizeH="0">
+      <a:defRPr kumimoji="0" sz="2000" b="0" i="0" u="none" strike="noStrike" cap="none" spc="0" normalizeH="0" baseline="0">
         <a:ln>
           <a:noFill/>
         </a:ln>
@@ -303,7 +303,7 @@
       <a:buFontTx/>
       <a:buNone/>
       <a:tabLst/>
-      <a:defRPr b="0" baseline="0" cap="none" i="0" spc="0" strike="noStrike" sz="2000" u="none" kumimoji="0" normalizeH="0">
+      <a:defRPr kumimoji="0" sz="2000" b="0" i="0" u="none" strike="noStrike" cap="none" spc="0" normalizeH="0" baseline="0">
         <a:ln>
           <a:noFill/>
         </a:ln>
@@ -322,13 +322,14 @@
 </p:presentation>
 </file>
 
-<file path=ppt/commentAuthors.xml><?xml version="1.0" encoding="utf-8"?>
-<p:cmAuthorLst xmlns:a="http://schemas.openxmlformats.org/drawingml/2006/main" xmlns:r="http://schemas.openxmlformats.org/officeDocument/2006/relationships" xmlns:p="http://schemas.openxmlformats.org/presentationml/2006/main" xmlns:m="http://schemas.openxmlformats.org/officeDocument/2006/math" xmlns:a14="http://schemas.microsoft.com/office/drawing/2010/main"/>
-</file>
-
 <file path=ppt/notesMasters/notesMaster1.xml><?xml version="1.0" encoding="utf-8"?>
-<p:notesMaster xmlns:a="http://schemas.openxmlformats.org/drawingml/2006/main" xmlns:r="http://schemas.openxmlformats.org/officeDocument/2006/relationships" xmlns:p="http://schemas.openxmlformats.org/presentationml/2006/main" xmlns:m="http://schemas.openxmlformats.org/officeDocument/2006/math" xmlns:a14="http://schemas.microsoft.com/office/drawing/2010/main">
+<p:notesMaster xmlns:a="http://schemas.openxmlformats.org/drawingml/2006/main" xmlns:r="http://schemas.openxmlformats.org/officeDocument/2006/relationships" xmlns:p="http://schemas.openxmlformats.org/presentationml/2006/main">
   <p:cSld>
+    <p:bg>
+      <p:bgRef idx="1001">
+        <a:schemeClr val="bg1"/>
+      </p:bgRef>
+    </p:bg>
     <p:spTree>
       <p:nvGrpSpPr>
         <p:cNvPr id="1" name=""/>
@@ -346,7 +347,9 @@
       <p:sp>
         <p:nvSpPr>
           <p:cNvPr id="163" name="Shape 163"/>
-          <p:cNvSpPr/>
+          <p:cNvSpPr>
+            <a:spLocks noGrp="1" noRot="1" noChangeAspect="1"/>
+          </p:cNvSpPr>
           <p:nvPr>
             <p:ph type="sldImg"/>
           </p:nvPr>
@@ -364,14 +367,16 @@
           <a:bodyPr/>
           <a:lstStyle/>
           <a:p>
-            <a:pPr/>
+            <a:endParaRPr/>
           </a:p>
         </p:txBody>
       </p:sp>
       <p:sp>
         <p:nvSpPr>
           <p:cNvPr id="164" name="Shape 164"/>
-          <p:cNvSpPr/>
+          <p:cNvSpPr>
+            <a:spLocks noGrp="1"/>
+          </p:cNvSpPr>
           <p:nvPr>
             <p:ph type="body" sz="quarter" idx="1"/>
           </p:nvPr>
@@ -389,7 +394,7 @@
           <a:bodyPr/>
           <a:lstStyle/>
           <a:p>
-            <a:pPr/>
+            <a:endParaRPr/>
           </a:p>
         </p:txBody>
       </p:sp>
@@ -501,13 +506,14 @@
 </file>
 
 <file path=ppt/slideLayouts/slideLayout1.xml><?xml version="1.0" encoding="utf-8"?>
-<p:sldLayout xmlns:a="http://schemas.openxmlformats.org/drawingml/2006/main" xmlns:r="http://schemas.openxmlformats.org/officeDocument/2006/relationships" xmlns:p="http://schemas.openxmlformats.org/presentationml/2006/main" xmlns:m="http://schemas.openxmlformats.org/officeDocument/2006/math" xmlns:a14="http://schemas.microsoft.com/office/drawing/2010/main" type="title" showMasterSp="0" showMasterPhAnim="1">
+<p:sldLayout xmlns:a="http://schemas.openxmlformats.org/drawingml/2006/main" xmlns:r="http://schemas.openxmlformats.org/officeDocument/2006/relationships" xmlns:p="http://schemas.openxmlformats.org/presentationml/2006/main" showMasterSp="0" type="title">
   <p:cSld name="Title &amp; Subtitle">
     <p:bg>
       <p:bgPr>
         <a:solidFill>
           <a:srgbClr val="222222"/>
         </a:solidFill>
+        <a:effectLst/>
       </p:bgPr>
     </p:bg>
     <p:spTree>
@@ -563,13 +569,16 @@
                 <a:sym typeface="Helvetica"/>
               </a:defRPr>
             </a:pPr>
+            <a:endParaRPr/>
           </a:p>
         </p:txBody>
       </p:sp>
       <p:sp>
         <p:nvSpPr>
           <p:cNvPr id="13" name="Title Text"/>
-          <p:cNvSpPr txBox="1"/>
+          <p:cNvSpPr txBox="1">
+            <a:spLocks noGrp="1"/>
+          </p:cNvSpPr>
           <p:nvPr>
             <p:ph type="title"/>
           </p:nvPr>
@@ -594,7 +603,6 @@
             </a:lvl1pPr>
           </a:lstStyle>
           <a:p>
-            <a:pPr/>
             <a:r>
               <a:t>Title Text</a:t>
             </a:r>
@@ -604,7 +612,9 @@
       <p:sp>
         <p:nvSpPr>
           <p:cNvPr id="14" name="Body Level One…"/>
-          <p:cNvSpPr txBox="1"/>
+          <p:cNvSpPr txBox="1">
+            <a:spLocks noGrp="1"/>
+          </p:cNvSpPr>
           <p:nvPr>
             <p:ph type="body" sz="quarter" idx="1"/>
           </p:nvPr>
@@ -632,7 +642,7 @@
               <a:buSzTx/>
               <a:buFontTx/>
               <a:buNone/>
-              <a:defRPr cap="all" sz="5400">
+              <a:defRPr sz="5400" cap="all">
                 <a:solidFill>
                   <a:srgbClr val="A6AAA9"/>
                 </a:solidFill>
@@ -653,7 +663,7 @@
               <a:buSzTx/>
               <a:buFontTx/>
               <a:buNone/>
-              <a:defRPr cap="all" sz="5400">
+              <a:defRPr sz="5400" cap="all">
                 <a:solidFill>
                   <a:srgbClr val="A6AAA9"/>
                 </a:solidFill>
@@ -674,7 +684,7 @@
               <a:buSzTx/>
               <a:buFontTx/>
               <a:buNone/>
-              <a:defRPr cap="all" sz="5400">
+              <a:defRPr sz="5400" cap="all">
                 <a:solidFill>
                   <a:srgbClr val="A6AAA9"/>
                 </a:solidFill>
@@ -695,7 +705,7 @@
               <a:buSzTx/>
               <a:buFontTx/>
               <a:buNone/>
-              <a:defRPr cap="all" sz="5400">
+              <a:defRPr sz="5400" cap="all">
                 <a:solidFill>
                   <a:srgbClr val="A6AAA9"/>
                 </a:solidFill>
@@ -716,7 +726,7 @@
               <a:buSzTx/>
               <a:buFontTx/>
               <a:buNone/>
-              <a:defRPr cap="all" sz="5400">
+              <a:defRPr sz="5400" cap="all">
                 <a:solidFill>
                   <a:srgbClr val="A6AAA9"/>
                 </a:solidFill>
@@ -728,7 +738,6 @@
             </a:lvl5pPr>
           </a:lstStyle>
           <a:p>
-            <a:pPr/>
             <a:r>
               <a:t>Body Level One</a:t>
             </a:r>
@@ -762,7 +771,9 @@
       <p:sp>
         <p:nvSpPr>
           <p:cNvPr id="15" name="Slide Number"/>
-          <p:cNvSpPr txBox="1"/>
+          <p:cNvSpPr txBox="1">
+            <a:spLocks noGrp="1"/>
+          </p:cNvSpPr>
           <p:nvPr>
             <p:ph type="sldNum" sz="quarter" idx="2"/>
           </p:nvPr>
@@ -780,8 +791,10 @@
           <a:bodyPr/>
           <a:lstStyle/>
           <a:p>
-            <a:pPr/>
-            <a:fld id="{86CB4B4D-7CA3-9044-876B-883B54F8677D}" type="slidenum"/>
+            <a:fld id="{86CB4B4D-7CA3-9044-876B-883B54F8677D}" type="slidenum">
+              <a:t>‹#›</a:t>
+            </a:fld>
+            <a:endParaRPr/>
           </a:p>
         </p:txBody>
       </p:sp>
@@ -790,18 +803,19 @@
   <p:clrMapOvr>
     <a:masterClrMapping/>
   </p:clrMapOvr>
-  <p:transition xmlns:p14="http://schemas.microsoft.com/office/powerpoint/2010/main" spd="med" advClick="1"/>
+  <p:transition spd="med"/>
 </p:sldLayout>
 </file>
 
 <file path=ppt/slideLayouts/slideLayout10.xml><?xml version="1.0" encoding="utf-8"?>
-<p:sldLayout xmlns:a="http://schemas.openxmlformats.org/drawingml/2006/main" xmlns:r="http://schemas.openxmlformats.org/officeDocument/2006/relationships" xmlns:p="http://schemas.openxmlformats.org/presentationml/2006/main" xmlns:m="http://schemas.openxmlformats.org/officeDocument/2006/math" xmlns:a14="http://schemas.microsoft.com/office/drawing/2010/main" type="tx" showMasterSp="1" showMasterPhAnim="1">
+<p:sldLayout xmlns:a="http://schemas.openxmlformats.org/drawingml/2006/main" xmlns:r="http://schemas.openxmlformats.org/officeDocument/2006/relationships" xmlns:p="http://schemas.openxmlformats.org/presentationml/2006/main" type="tx">
   <p:cSld name="Bullets">
     <p:bg>
       <p:bgPr>
         <a:solidFill>
           <a:srgbClr val="222222"/>
         </a:solidFill>
+        <a:effectLst/>
       </p:bgPr>
     </p:bg>
     <p:spTree>
@@ -821,7 +835,9 @@
       <p:sp>
         <p:nvSpPr>
           <p:cNvPr id="102" name="Text"/>
-          <p:cNvSpPr txBox="1"/>
+          <p:cNvSpPr txBox="1">
+            <a:spLocks noGrp="1"/>
+          </p:cNvSpPr>
           <p:nvPr>
             <p:ph type="body" sz="quarter" idx="13"/>
           </p:nvPr>
@@ -851,7 +867,7 @@
               <a:buSzTx/>
               <a:buFontTx/>
               <a:buNone/>
-              <a:defRPr cap="all" spc="120" sz="2400">
+              <a:defRPr sz="2400" cap="all" spc="120">
                 <a:latin typeface="DIN Alternate"/>
                 <a:ea typeface="DIN Alternate"/>
                 <a:cs typeface="DIN Alternate"/>
@@ -860,7 +876,6 @@
             </a:lvl1pPr>
           </a:lstStyle>
           <a:p>
-            <a:pPr/>
             <a:r>
               <a:t>Text</a:t>
             </a:r>
@@ -870,7 +885,9 @@
       <p:sp>
         <p:nvSpPr>
           <p:cNvPr id="103" name="Body Level One…"/>
-          <p:cNvSpPr txBox="1"/>
+          <p:cNvSpPr txBox="1">
+            <a:spLocks noGrp="1"/>
+          </p:cNvSpPr>
           <p:nvPr>
             <p:ph type="body" idx="1"/>
           </p:nvPr>
@@ -915,7 +932,6 @@
             </a:lvl5pPr>
           </a:lstStyle>
           <a:p>
-            <a:pPr/>
             <a:r>
               <a:t>Body Level One</a:t>
             </a:r>
@@ -949,7 +965,9 @@
       <p:sp>
         <p:nvSpPr>
           <p:cNvPr id="104" name="Slide Number"/>
-          <p:cNvSpPr txBox="1"/>
+          <p:cNvSpPr txBox="1">
+            <a:spLocks noGrp="1"/>
+          </p:cNvSpPr>
           <p:nvPr>
             <p:ph type="sldNum" sz="quarter" idx="2"/>
           </p:nvPr>
@@ -963,8 +981,10 @@
           <a:bodyPr/>
           <a:lstStyle/>
           <a:p>
-            <a:pPr/>
-            <a:fld id="{86CB4B4D-7CA3-9044-876B-883B54F8677D}" type="slidenum"/>
+            <a:fld id="{86CB4B4D-7CA3-9044-876B-883B54F8677D}" type="slidenum">
+              <a:t>‹#›</a:t>
+            </a:fld>
+            <a:endParaRPr/>
           </a:p>
         </p:txBody>
       </p:sp>
@@ -973,18 +993,19 @@
   <p:clrMapOvr>
     <a:masterClrMapping/>
   </p:clrMapOvr>
-  <p:transition xmlns:p14="http://schemas.microsoft.com/office/powerpoint/2010/main" spd="med" advClick="1"/>
+  <p:transition spd="med"/>
 </p:sldLayout>
 </file>
 
 <file path=ppt/slideLayouts/slideLayout11.xml><?xml version="1.0" encoding="utf-8"?>
-<p:sldLayout xmlns:a="http://schemas.openxmlformats.org/drawingml/2006/main" xmlns:r="http://schemas.openxmlformats.org/officeDocument/2006/relationships" xmlns:p="http://schemas.openxmlformats.org/presentationml/2006/main" xmlns:m="http://schemas.openxmlformats.org/officeDocument/2006/math" xmlns:a14="http://schemas.microsoft.com/office/drawing/2010/main" type="tx" showMasterSp="0" showMasterPhAnim="1">
+<p:sldLayout xmlns:a="http://schemas.openxmlformats.org/drawingml/2006/main" xmlns:r="http://schemas.openxmlformats.org/officeDocument/2006/relationships" xmlns:p="http://schemas.openxmlformats.org/presentationml/2006/main" showMasterSp="0" type="tx">
   <p:cSld name="Photo - 3 Up">
     <p:bg>
       <p:bgPr>
         <a:solidFill>
           <a:srgbClr val="222222"/>
         </a:solidFill>
+        <a:effectLst/>
       </p:bgPr>
     </p:bg>
     <p:spTree>
@@ -1004,7 +1025,9 @@
       <p:sp>
         <p:nvSpPr>
           <p:cNvPr id="111" name="Image"/>
-          <p:cNvSpPr/>
+          <p:cNvSpPr>
+            <a:spLocks noGrp="1"/>
+          </p:cNvSpPr>
           <p:nvPr>
             <p:ph type="pic" sz="half" idx="13"/>
           </p:nvPr>
@@ -1024,14 +1047,16 @@
           </a:bodyPr>
           <a:lstStyle/>
           <a:p>
-            <a:pPr/>
+            <a:endParaRPr/>
           </a:p>
         </p:txBody>
       </p:sp>
       <p:sp>
         <p:nvSpPr>
           <p:cNvPr id="112" name="Image"/>
-          <p:cNvSpPr/>
+          <p:cNvSpPr>
+            <a:spLocks noGrp="1"/>
+          </p:cNvSpPr>
           <p:nvPr>
             <p:ph type="pic" sz="half" idx="14"/>
           </p:nvPr>
@@ -1051,14 +1076,16 @@
           </a:bodyPr>
           <a:lstStyle/>
           <a:p>
-            <a:pPr/>
+            <a:endParaRPr/>
           </a:p>
         </p:txBody>
       </p:sp>
       <p:sp>
         <p:nvSpPr>
           <p:cNvPr id="113" name="Image"/>
-          <p:cNvSpPr/>
+          <p:cNvSpPr>
+            <a:spLocks noGrp="1"/>
+          </p:cNvSpPr>
           <p:nvPr>
             <p:ph type="pic" idx="15"/>
           </p:nvPr>
@@ -1078,14 +1105,16 @@
           </a:bodyPr>
           <a:lstStyle/>
           <a:p>
-            <a:pPr/>
+            <a:endParaRPr/>
           </a:p>
         </p:txBody>
       </p:sp>
       <p:sp>
         <p:nvSpPr>
           <p:cNvPr id="114" name="Slide Number"/>
-          <p:cNvSpPr txBox="1"/>
+          <p:cNvSpPr txBox="1">
+            <a:spLocks noGrp="1"/>
+          </p:cNvSpPr>
           <p:nvPr>
             <p:ph type="sldNum" sz="quarter" idx="2"/>
           </p:nvPr>
@@ -1099,8 +1128,10 @@
           <a:bodyPr/>
           <a:lstStyle/>
           <a:p>
-            <a:pPr/>
-            <a:fld id="{86CB4B4D-7CA3-9044-876B-883B54F8677D}" type="slidenum"/>
+            <a:fld id="{86CB4B4D-7CA3-9044-876B-883B54F8677D}" type="slidenum">
+              <a:t>‹#›</a:t>
+            </a:fld>
+            <a:endParaRPr/>
           </a:p>
         </p:txBody>
       </p:sp>
@@ -1109,18 +1140,19 @@
   <p:clrMapOvr>
     <a:masterClrMapping/>
   </p:clrMapOvr>
-  <p:transition xmlns:p14="http://schemas.microsoft.com/office/powerpoint/2010/main" spd="med" advClick="1"/>
+  <p:transition spd="med"/>
 </p:sldLayout>
 </file>
 
 <file path=ppt/slideLayouts/slideLayout12.xml><?xml version="1.0" encoding="utf-8"?>
-<p:sldLayout xmlns:a="http://schemas.openxmlformats.org/drawingml/2006/main" xmlns:r="http://schemas.openxmlformats.org/officeDocument/2006/relationships" xmlns:p="http://schemas.openxmlformats.org/presentationml/2006/main" xmlns:m="http://schemas.openxmlformats.org/officeDocument/2006/math" xmlns:a14="http://schemas.microsoft.com/office/drawing/2010/main" type="tx" showMasterSp="1" showMasterPhAnim="1">
+<p:sldLayout xmlns:a="http://schemas.openxmlformats.org/drawingml/2006/main" xmlns:r="http://schemas.openxmlformats.org/officeDocument/2006/relationships" xmlns:p="http://schemas.openxmlformats.org/presentationml/2006/main" type="tx">
   <p:cSld name="Quote">
     <p:bg>
       <p:bgPr>
         <a:solidFill>
           <a:srgbClr val="222222"/>
         </a:solidFill>
+        <a:effectLst/>
       </p:bgPr>
     </p:bg>
     <p:spTree>
@@ -1168,7 +1200,7 @@
             </a:cxnLst>
             <a:rect l="0" t="0" r="r" b="b"/>
             <a:pathLst>
-              <a:path w="21600" h="21600" fill="norm" stroke="1" extrusionOk="0">
+              <a:path w="21600" h="21600" extrusionOk="0">
                 <a:moveTo>
                   <a:pt x="224" y="0"/>
                 </a:moveTo>
@@ -1235,7 +1267,7 @@
               <a:spcBef>
                 <a:spcPts val="0"/>
               </a:spcBef>
-              <a:defRPr cap="all" sz="2800">
+              <a:defRPr sz="2800" cap="all">
                 <a:solidFill>
                   <a:srgbClr val="FFFFFF"/>
                 </a:solidFill>
@@ -1245,13 +1277,16 @@
                 <a:sym typeface="DIN Condensed"/>
               </a:defRPr>
             </a:pPr>
+            <a:endParaRPr/>
           </a:p>
         </p:txBody>
       </p:sp>
       <p:sp>
         <p:nvSpPr>
           <p:cNvPr id="122" name="Type a quote here."/>
-          <p:cNvSpPr txBox="1"/>
+          <p:cNvSpPr txBox="1">
+            <a:spLocks noGrp="1"/>
+          </p:cNvSpPr>
           <p:nvPr>
             <p:ph type="body" sz="quarter" idx="13"/>
           </p:nvPr>
@@ -1281,7 +1316,7 @@
               <a:buSzTx/>
               <a:buFontTx/>
               <a:buNone/>
-              <a:defRPr cap="all" sz="9400">
+              <a:defRPr sz="9400" cap="all">
                 <a:solidFill>
                   <a:srgbClr val="FFFFFF"/>
                 </a:solidFill>
@@ -1293,7 +1328,6 @@
             </a:lvl1pPr>
           </a:lstStyle>
           <a:p>
-            <a:pPr/>
             <a:r>
               <a:t>Type a quote here.</a:t>
             </a:r>
@@ -1303,7 +1337,9 @@
       <p:sp>
         <p:nvSpPr>
           <p:cNvPr id="123" name="Johnny Appleseed"/>
-          <p:cNvSpPr txBox="1"/>
+          <p:cNvSpPr txBox="1">
+            <a:spLocks noGrp="1"/>
+          </p:cNvSpPr>
           <p:nvPr>
             <p:ph type="body" sz="quarter" idx="14"/>
           </p:nvPr>
@@ -1342,7 +1378,6 @@
             </a:lvl1pPr>
           </a:lstStyle>
           <a:p>
-            <a:pPr/>
             <a:r>
               <a:t>Johnny Appleseed</a:t>
             </a:r>
@@ -1352,7 +1387,9 @@
       <p:sp>
         <p:nvSpPr>
           <p:cNvPr id="124" name="Text"/>
-          <p:cNvSpPr txBox="1"/>
+          <p:cNvSpPr txBox="1">
+            <a:spLocks noGrp="1"/>
+          </p:cNvSpPr>
           <p:nvPr>
             <p:ph type="body" sz="quarter" idx="15"/>
           </p:nvPr>
@@ -1382,7 +1419,7 @@
               <a:buSzTx/>
               <a:buFontTx/>
               <a:buNone/>
-              <a:defRPr cap="all" spc="120" sz="2400">
+              <a:defRPr sz="2400" cap="all" spc="120">
                 <a:latin typeface="DIN Alternate"/>
                 <a:ea typeface="DIN Alternate"/>
                 <a:cs typeface="DIN Alternate"/>
@@ -1391,7 +1428,6 @@
             </a:lvl1pPr>
           </a:lstStyle>
           <a:p>
-            <a:pPr/>
             <a:r>
               <a:t>Text</a:t>
             </a:r>
@@ -1401,7 +1437,9 @@
       <p:sp>
         <p:nvSpPr>
           <p:cNvPr id="125" name="Slide Number"/>
-          <p:cNvSpPr txBox="1"/>
+          <p:cNvSpPr txBox="1">
+            <a:spLocks noGrp="1"/>
+          </p:cNvSpPr>
           <p:nvPr>
             <p:ph type="sldNum" sz="quarter" idx="2"/>
           </p:nvPr>
@@ -1415,8 +1453,10 @@
           <a:bodyPr/>
           <a:lstStyle/>
           <a:p>
-            <a:pPr/>
-            <a:fld id="{86CB4B4D-7CA3-9044-876B-883B54F8677D}" type="slidenum"/>
+            <a:fld id="{86CB4B4D-7CA3-9044-876B-883B54F8677D}" type="slidenum">
+              <a:t>‹#›</a:t>
+            </a:fld>
+            <a:endParaRPr/>
           </a:p>
         </p:txBody>
       </p:sp>
@@ -1425,18 +1465,19 @@
   <p:clrMapOvr>
     <a:masterClrMapping/>
   </p:clrMapOvr>
-  <p:transition xmlns:p14="http://schemas.microsoft.com/office/powerpoint/2010/main" spd="med" advClick="1"/>
+  <p:transition spd="med"/>
 </p:sldLayout>
 </file>
 
 <file path=ppt/slideLayouts/slideLayout13.xml><?xml version="1.0" encoding="utf-8"?>
-<p:sldLayout xmlns:a="http://schemas.openxmlformats.org/drawingml/2006/main" xmlns:r="http://schemas.openxmlformats.org/officeDocument/2006/relationships" xmlns:p="http://schemas.openxmlformats.org/presentationml/2006/main" xmlns:m="http://schemas.openxmlformats.org/officeDocument/2006/math" xmlns:a14="http://schemas.microsoft.com/office/drawing/2010/main" type="tx" showMasterSp="0" showMasterPhAnim="1">
+<p:sldLayout xmlns:a="http://schemas.openxmlformats.org/drawingml/2006/main" xmlns:r="http://schemas.openxmlformats.org/officeDocument/2006/relationships" xmlns:p="http://schemas.openxmlformats.org/presentationml/2006/main" showMasterSp="0" type="tx">
   <p:cSld name="Quote Alt">
     <p:bg>
       <p:bgPr>
         <a:solidFill>
           <a:schemeClr val="accent1"/>
         </a:solidFill>
+        <a:effectLst/>
       </p:bgPr>
     </p:bg>
     <p:spTree>
@@ -1456,7 +1497,9 @@
       <p:sp>
         <p:nvSpPr>
           <p:cNvPr id="132" name="Type a quote here."/>
-          <p:cNvSpPr txBox="1"/>
+          <p:cNvSpPr txBox="1">
+            <a:spLocks noGrp="1"/>
+          </p:cNvSpPr>
           <p:nvPr>
             <p:ph type="body" sz="quarter" idx="13"/>
           </p:nvPr>
@@ -1486,7 +1529,7 @@
               <a:buSzTx/>
               <a:buFontTx/>
               <a:buNone/>
-              <a:defRPr cap="all" sz="9400">
+              <a:defRPr sz="9400" cap="all">
                 <a:solidFill>
                   <a:srgbClr val="FFFFFF"/>
                 </a:solidFill>
@@ -1498,7 +1541,6 @@
             </a:lvl1pPr>
           </a:lstStyle>
           <a:p>
-            <a:pPr/>
             <a:r>
               <a:t>Type a quote here.</a:t>
             </a:r>
@@ -1508,7 +1550,9 @@
       <p:sp>
         <p:nvSpPr>
           <p:cNvPr id="133" name="Image"/>
-          <p:cNvSpPr/>
+          <p:cNvSpPr>
+            <a:spLocks noGrp="1"/>
+          </p:cNvSpPr>
           <p:nvPr>
             <p:ph type="pic" idx="14"/>
           </p:nvPr>
@@ -1528,14 +1572,16 @@
           </a:bodyPr>
           <a:lstStyle/>
           <a:p>
-            <a:pPr/>
+            <a:endParaRPr/>
           </a:p>
         </p:txBody>
       </p:sp>
       <p:sp>
         <p:nvSpPr>
           <p:cNvPr id="134" name="Johnny Appleseed"/>
-          <p:cNvSpPr txBox="1"/>
+          <p:cNvSpPr txBox="1">
+            <a:spLocks noGrp="1"/>
+          </p:cNvSpPr>
           <p:nvPr>
             <p:ph type="body" sz="quarter" idx="15"/>
           </p:nvPr>
@@ -1574,7 +1620,6 @@
             </a:lvl1pPr>
           </a:lstStyle>
           <a:p>
-            <a:pPr/>
             <a:r>
               <a:t>Johnny Appleseed</a:t>
             </a:r>
@@ -1584,7 +1629,9 @@
       <p:sp>
         <p:nvSpPr>
           <p:cNvPr id="135" name="Slide Number"/>
-          <p:cNvSpPr txBox="1"/>
+          <p:cNvSpPr txBox="1">
+            <a:spLocks noGrp="1"/>
+          </p:cNvSpPr>
           <p:nvPr>
             <p:ph type="sldNum" sz="quarter" idx="2"/>
           </p:nvPr>
@@ -1598,8 +1645,10 @@
           <a:bodyPr/>
           <a:lstStyle/>
           <a:p>
-            <a:pPr/>
-            <a:fld id="{86CB4B4D-7CA3-9044-876B-883B54F8677D}" type="slidenum"/>
+            <a:fld id="{86CB4B4D-7CA3-9044-876B-883B54F8677D}" type="slidenum">
+              <a:t>‹#›</a:t>
+            </a:fld>
+            <a:endParaRPr/>
           </a:p>
         </p:txBody>
       </p:sp>
@@ -1608,18 +1657,19 @@
   <p:clrMapOvr>
     <a:masterClrMapping/>
   </p:clrMapOvr>
-  <p:transition xmlns:p14="http://schemas.microsoft.com/office/powerpoint/2010/main" spd="med" advClick="1"/>
+  <p:transition spd="med"/>
 </p:sldLayout>
 </file>
 
 <file path=ppt/slideLayouts/slideLayout14.xml><?xml version="1.0" encoding="utf-8"?>
-<p:sldLayout xmlns:a="http://schemas.openxmlformats.org/drawingml/2006/main" xmlns:r="http://schemas.openxmlformats.org/officeDocument/2006/relationships" xmlns:p="http://schemas.openxmlformats.org/presentationml/2006/main" xmlns:m="http://schemas.openxmlformats.org/officeDocument/2006/math" xmlns:a14="http://schemas.microsoft.com/office/drawing/2010/main" type="tx" showMasterSp="0" showMasterPhAnim="1">
+<p:sldLayout xmlns:a="http://schemas.openxmlformats.org/drawingml/2006/main" xmlns:r="http://schemas.openxmlformats.org/officeDocument/2006/relationships" xmlns:p="http://schemas.openxmlformats.org/presentationml/2006/main" showMasterSp="0" type="tx">
   <p:cSld name="Photo">
     <p:bg>
       <p:bgPr>
         <a:solidFill>
           <a:srgbClr val="222222"/>
         </a:solidFill>
+        <a:effectLst/>
       </p:bgPr>
     </p:bg>
     <p:spTree>
@@ -1639,7 +1689,9 @@
       <p:sp>
         <p:nvSpPr>
           <p:cNvPr id="142" name="Image"/>
-          <p:cNvSpPr/>
+          <p:cNvSpPr>
+            <a:spLocks noGrp="1"/>
+          </p:cNvSpPr>
           <p:nvPr>
             <p:ph type="pic" idx="13"/>
           </p:nvPr>
@@ -1659,14 +1711,16 @@
           </a:bodyPr>
           <a:lstStyle/>
           <a:p>
-            <a:pPr/>
+            <a:endParaRPr/>
           </a:p>
         </p:txBody>
       </p:sp>
       <p:sp>
         <p:nvSpPr>
           <p:cNvPr id="143" name="Slide Number"/>
-          <p:cNvSpPr txBox="1"/>
+          <p:cNvSpPr txBox="1">
+            <a:spLocks noGrp="1"/>
+          </p:cNvSpPr>
           <p:nvPr>
             <p:ph type="sldNum" sz="quarter" idx="2"/>
           </p:nvPr>
@@ -1680,8 +1734,10 @@
           <a:bodyPr/>
           <a:lstStyle/>
           <a:p>
-            <a:pPr/>
-            <a:fld id="{86CB4B4D-7CA3-9044-876B-883B54F8677D}" type="slidenum"/>
+            <a:fld id="{86CB4B4D-7CA3-9044-876B-883B54F8677D}" type="slidenum">
+              <a:t>‹#›</a:t>
+            </a:fld>
+            <a:endParaRPr/>
           </a:p>
         </p:txBody>
       </p:sp>
@@ -1690,18 +1746,19 @@
   <p:clrMapOvr>
     <a:masterClrMapping/>
   </p:clrMapOvr>
-  <p:transition xmlns:p14="http://schemas.microsoft.com/office/powerpoint/2010/main" spd="med" advClick="1"/>
+  <p:transition spd="med"/>
 </p:sldLayout>
 </file>
 
 <file path=ppt/slideLayouts/slideLayout15.xml><?xml version="1.0" encoding="utf-8"?>
-<p:sldLayout xmlns:a="http://schemas.openxmlformats.org/drawingml/2006/main" xmlns:r="http://schemas.openxmlformats.org/officeDocument/2006/relationships" xmlns:p="http://schemas.openxmlformats.org/presentationml/2006/main" xmlns:m="http://schemas.openxmlformats.org/officeDocument/2006/math" xmlns:a14="http://schemas.microsoft.com/office/drawing/2010/main" type="tx" showMasterSp="0" showMasterPhAnim="1">
+<p:sldLayout xmlns:a="http://schemas.openxmlformats.org/drawingml/2006/main" xmlns:r="http://schemas.openxmlformats.org/officeDocument/2006/relationships" xmlns:p="http://schemas.openxmlformats.org/presentationml/2006/main" showMasterSp="0" type="tx">
   <p:cSld name="Blank">
     <p:bg>
       <p:bgPr>
         <a:solidFill>
           <a:srgbClr val="222222"/>
         </a:solidFill>
+        <a:effectLst/>
       </p:bgPr>
     </p:bg>
     <p:spTree>
@@ -1721,7 +1778,9 @@
       <p:sp>
         <p:nvSpPr>
           <p:cNvPr id="150" name="Slide Number"/>
-          <p:cNvSpPr txBox="1"/>
+          <p:cNvSpPr txBox="1">
+            <a:spLocks noGrp="1"/>
+          </p:cNvSpPr>
           <p:nvPr>
             <p:ph type="sldNum" sz="quarter" idx="2"/>
           </p:nvPr>
@@ -1735,8 +1794,10 @@
           <a:bodyPr/>
           <a:lstStyle/>
           <a:p>
-            <a:pPr/>
-            <a:fld id="{86CB4B4D-7CA3-9044-876B-883B54F8677D}" type="slidenum"/>
+            <a:fld id="{86CB4B4D-7CA3-9044-876B-883B54F8677D}" type="slidenum">
+              <a:t>‹#›</a:t>
+            </a:fld>
+            <a:endParaRPr/>
           </a:p>
         </p:txBody>
       </p:sp>
@@ -1745,12 +1806,12 @@
   <p:clrMapOvr>
     <a:masterClrMapping/>
   </p:clrMapOvr>
-  <p:transition xmlns:p14="http://schemas.microsoft.com/office/powerpoint/2010/main" spd="med" advClick="1"/>
+  <p:transition spd="med"/>
 </p:sldLayout>
 </file>
 
 <file path=ppt/slideLayouts/slideLayout16.xml><?xml version="1.0" encoding="utf-8"?>
-<p:sldLayout xmlns:a="http://schemas.openxmlformats.org/drawingml/2006/main" xmlns:r="http://schemas.openxmlformats.org/officeDocument/2006/relationships" xmlns:p="http://schemas.openxmlformats.org/presentationml/2006/main" xmlns:m="http://schemas.openxmlformats.org/officeDocument/2006/math" xmlns:a14="http://schemas.microsoft.com/office/drawing/2010/main" type="tx" showMasterSp="0" showMasterPhAnim="1">
+<p:sldLayout xmlns:a="http://schemas.openxmlformats.org/drawingml/2006/main" xmlns:r="http://schemas.openxmlformats.org/officeDocument/2006/relationships" xmlns:p="http://schemas.openxmlformats.org/presentationml/2006/main" showMasterSp="0" type="tx">
   <p:cSld name="Blank Alt">
     <p:spTree>
       <p:nvGrpSpPr>
@@ -1769,7 +1830,9 @@
       <p:sp>
         <p:nvSpPr>
           <p:cNvPr id="157" name="Slide Number"/>
-          <p:cNvSpPr txBox="1"/>
+          <p:cNvSpPr txBox="1">
+            <a:spLocks noGrp="1"/>
+          </p:cNvSpPr>
           <p:nvPr>
             <p:ph type="sldNum" sz="quarter" idx="2"/>
           </p:nvPr>
@@ -1783,8 +1846,10 @@
           <a:bodyPr/>
           <a:lstStyle/>
           <a:p>
-            <a:pPr/>
-            <a:fld id="{86CB4B4D-7CA3-9044-876B-883B54F8677D}" type="slidenum"/>
+            <a:fld id="{86CB4B4D-7CA3-9044-876B-883B54F8677D}" type="slidenum">
+              <a:t>‹#›</a:t>
+            </a:fld>
+            <a:endParaRPr/>
           </a:p>
         </p:txBody>
       </p:sp>
@@ -1793,18 +1858,19 @@
   <p:clrMapOvr>
     <a:masterClrMapping/>
   </p:clrMapOvr>
-  <p:transition xmlns:p14="http://schemas.microsoft.com/office/powerpoint/2010/main" spd="med" advClick="1"/>
+  <p:transition spd="med"/>
 </p:sldLayout>
 </file>
 
 <file path=ppt/slideLayouts/slideLayout2.xml><?xml version="1.0" encoding="utf-8"?>
-<p:sldLayout xmlns:a="http://schemas.openxmlformats.org/drawingml/2006/main" xmlns:r="http://schemas.openxmlformats.org/officeDocument/2006/relationships" xmlns:p="http://schemas.openxmlformats.org/presentationml/2006/main" xmlns:m="http://schemas.openxmlformats.org/officeDocument/2006/math" xmlns:a14="http://schemas.microsoft.com/office/drawing/2010/main" type="tx" showMasterSp="0" showMasterPhAnim="1">
+<p:sldLayout xmlns:a="http://schemas.openxmlformats.org/drawingml/2006/main" xmlns:r="http://schemas.openxmlformats.org/officeDocument/2006/relationships" xmlns:p="http://schemas.openxmlformats.org/presentationml/2006/main" showMasterSp="0" type="tx">
   <p:cSld name="Photo - Horizontal">
     <p:bg>
       <p:bgPr>
         <a:solidFill>
           <a:srgbClr val="222222"/>
         </a:solidFill>
+        <a:effectLst/>
       </p:bgPr>
     </p:bg>
     <p:spTree>
@@ -1824,7 +1890,9 @@
       <p:sp>
         <p:nvSpPr>
           <p:cNvPr id="22" name="Image"/>
-          <p:cNvSpPr/>
+          <p:cNvSpPr>
+            <a:spLocks noGrp="1"/>
+          </p:cNvSpPr>
           <p:nvPr>
             <p:ph type="pic" idx="13"/>
           </p:nvPr>
@@ -1844,14 +1912,16 @@
           </a:bodyPr>
           <a:lstStyle/>
           <a:p>
-            <a:pPr/>
+            <a:endParaRPr/>
           </a:p>
         </p:txBody>
       </p:sp>
       <p:sp>
         <p:nvSpPr>
           <p:cNvPr id="23" name="Line"/>
-          <p:cNvSpPr/>
+          <p:cNvSpPr>
+            <a:spLocks noGrp="1"/>
+          </p:cNvSpPr>
           <p:nvPr>
             <p:ph type="body" sz="quarter" idx="14"/>
           </p:nvPr>
@@ -1894,13 +1964,16 @@
                 <a:sym typeface="Helvetica"/>
               </a:defRPr>
             </a:pPr>
+            <a:endParaRPr/>
           </a:p>
         </p:txBody>
       </p:sp>
       <p:sp>
         <p:nvSpPr>
           <p:cNvPr id="24" name="Title Text"/>
-          <p:cNvSpPr txBox="1"/>
+          <p:cNvSpPr txBox="1">
+            <a:spLocks noGrp="1"/>
+          </p:cNvSpPr>
           <p:nvPr>
             <p:ph type="title"/>
           </p:nvPr>
@@ -1925,7 +1998,6 @@
             </a:lvl1pPr>
           </a:lstStyle>
           <a:p>
-            <a:pPr/>
             <a:r>
               <a:t>Title Text</a:t>
             </a:r>
@@ -1935,7 +2007,9 @@
       <p:sp>
         <p:nvSpPr>
           <p:cNvPr id="25" name="Body Level One…"/>
-          <p:cNvSpPr txBox="1"/>
+          <p:cNvSpPr txBox="1">
+            <a:spLocks noGrp="1"/>
+          </p:cNvSpPr>
           <p:nvPr>
             <p:ph type="body" sz="quarter" idx="1"/>
           </p:nvPr>
@@ -1963,7 +2037,7 @@
               <a:buSzTx/>
               <a:buFontTx/>
               <a:buNone/>
-              <a:defRPr cap="all" sz="5400">
+              <a:defRPr sz="5400" cap="all">
                 <a:solidFill>
                   <a:srgbClr val="A6AAA9"/>
                 </a:solidFill>
@@ -1984,7 +2058,7 @@
               <a:buSzTx/>
               <a:buFontTx/>
               <a:buNone/>
-              <a:defRPr cap="all" sz="5400">
+              <a:defRPr sz="5400" cap="all">
                 <a:solidFill>
                   <a:srgbClr val="A6AAA9"/>
                 </a:solidFill>
@@ -2005,7 +2079,7 @@
               <a:buSzTx/>
               <a:buFontTx/>
               <a:buNone/>
-              <a:defRPr cap="all" sz="5400">
+              <a:defRPr sz="5400" cap="all">
                 <a:solidFill>
                   <a:srgbClr val="A6AAA9"/>
                 </a:solidFill>
@@ -2026,7 +2100,7 @@
               <a:buSzTx/>
               <a:buFontTx/>
               <a:buNone/>
-              <a:defRPr cap="all" sz="5400">
+              <a:defRPr sz="5400" cap="all">
                 <a:solidFill>
                   <a:srgbClr val="A6AAA9"/>
                 </a:solidFill>
@@ -2047,7 +2121,7 @@
               <a:buSzTx/>
               <a:buFontTx/>
               <a:buNone/>
-              <a:defRPr cap="all" sz="5400">
+              <a:defRPr sz="5400" cap="all">
                 <a:solidFill>
                   <a:srgbClr val="A6AAA9"/>
                 </a:solidFill>
@@ -2059,7 +2133,6 @@
             </a:lvl5pPr>
           </a:lstStyle>
           <a:p>
-            <a:pPr/>
             <a:r>
               <a:t>Body Level One</a:t>
             </a:r>
@@ -2093,7 +2166,9 @@
       <p:sp>
         <p:nvSpPr>
           <p:cNvPr id="26" name="Slide Number"/>
-          <p:cNvSpPr txBox="1"/>
+          <p:cNvSpPr txBox="1">
+            <a:spLocks noGrp="1"/>
+          </p:cNvSpPr>
           <p:nvPr>
             <p:ph type="sldNum" sz="quarter" idx="2"/>
           </p:nvPr>
@@ -2111,8 +2186,10 @@
           <a:bodyPr/>
           <a:lstStyle/>
           <a:p>
-            <a:pPr/>
-            <a:fld id="{86CB4B4D-7CA3-9044-876B-883B54F8677D}" type="slidenum"/>
+            <a:fld id="{86CB4B4D-7CA3-9044-876B-883B54F8677D}" type="slidenum">
+              <a:t>‹#›</a:t>
+            </a:fld>
+            <a:endParaRPr/>
           </a:p>
         </p:txBody>
       </p:sp>
@@ -2121,12 +2198,12 @@
   <p:clrMapOvr>
     <a:masterClrMapping/>
   </p:clrMapOvr>
-  <p:transition xmlns:p14="http://schemas.microsoft.com/office/powerpoint/2010/main" spd="med" advClick="1"/>
+  <p:transition spd="med"/>
 </p:sldLayout>
 </file>
 
 <file path=ppt/slideLayouts/slideLayout3.xml><?xml version="1.0" encoding="utf-8"?>
-<p:sldLayout xmlns:a="http://schemas.openxmlformats.org/drawingml/2006/main" xmlns:r="http://schemas.openxmlformats.org/officeDocument/2006/relationships" xmlns:p="http://schemas.openxmlformats.org/presentationml/2006/main" xmlns:m="http://schemas.openxmlformats.org/officeDocument/2006/math" xmlns:a14="http://schemas.microsoft.com/office/drawing/2010/main" type="tx" showMasterSp="0" showMasterPhAnim="1">
+<p:sldLayout xmlns:a="http://schemas.openxmlformats.org/drawingml/2006/main" xmlns:r="http://schemas.openxmlformats.org/officeDocument/2006/relationships" xmlns:p="http://schemas.openxmlformats.org/presentationml/2006/main" showMasterSp="0" type="tx">
   <p:cSld name="Title &amp; Subtitle Alt">
     <p:spTree>
       <p:nvGrpSpPr>
@@ -2181,13 +2258,16 @@
                 <a:sym typeface="Helvetica"/>
               </a:defRPr>
             </a:pPr>
+            <a:endParaRPr/>
           </a:p>
         </p:txBody>
       </p:sp>
       <p:sp>
         <p:nvSpPr>
           <p:cNvPr id="34" name="Title Text"/>
-          <p:cNvSpPr txBox="1"/>
+          <p:cNvSpPr txBox="1">
+            <a:spLocks noGrp="1"/>
+          </p:cNvSpPr>
           <p:nvPr>
             <p:ph type="title"/>
           </p:nvPr>
@@ -2212,7 +2292,6 @@
             </a:lvl1pPr>
           </a:lstStyle>
           <a:p>
-            <a:pPr/>
             <a:r>
               <a:t>Title Text</a:t>
             </a:r>
@@ -2222,7 +2301,9 @@
       <p:sp>
         <p:nvSpPr>
           <p:cNvPr id="35" name="Body Level One…"/>
-          <p:cNvSpPr txBox="1"/>
+          <p:cNvSpPr txBox="1">
+            <a:spLocks noGrp="1"/>
+          </p:cNvSpPr>
           <p:nvPr>
             <p:ph type="body" sz="quarter" idx="1"/>
           </p:nvPr>
@@ -2250,7 +2331,7 @@
               <a:buSzTx/>
               <a:buFontTx/>
               <a:buNone/>
-              <a:defRPr cap="all" sz="5400">
+              <a:defRPr sz="5400" cap="all">
                 <a:solidFill>
                   <a:srgbClr val="A6AAA9"/>
                 </a:solidFill>
@@ -2271,7 +2352,7 @@
               <a:buSzTx/>
               <a:buFontTx/>
               <a:buNone/>
-              <a:defRPr cap="all" sz="5400">
+              <a:defRPr sz="5400" cap="all">
                 <a:solidFill>
                   <a:srgbClr val="A6AAA9"/>
                 </a:solidFill>
@@ -2292,7 +2373,7 @@
               <a:buSzTx/>
               <a:buFontTx/>
               <a:buNone/>
-              <a:defRPr cap="all" sz="5400">
+              <a:defRPr sz="5400" cap="all">
                 <a:solidFill>
                   <a:srgbClr val="A6AAA9"/>
                 </a:solidFill>
@@ -2313,7 +2394,7 @@
               <a:buSzTx/>
               <a:buFontTx/>
               <a:buNone/>
-              <a:defRPr cap="all" sz="5400">
+              <a:defRPr sz="5400" cap="all">
                 <a:solidFill>
                   <a:srgbClr val="A6AAA9"/>
                 </a:solidFill>
@@ -2334,7 +2415,7 @@
               <a:buSzTx/>
               <a:buFontTx/>
               <a:buNone/>
-              <a:defRPr cap="all" sz="5400">
+              <a:defRPr sz="5400" cap="all">
                 <a:solidFill>
                   <a:srgbClr val="A6AAA9"/>
                 </a:solidFill>
@@ -2346,7 +2427,6 @@
             </a:lvl5pPr>
           </a:lstStyle>
           <a:p>
-            <a:pPr/>
             <a:r>
               <a:t>Body Level One</a:t>
             </a:r>
@@ -2380,7 +2460,9 @@
       <p:sp>
         <p:nvSpPr>
           <p:cNvPr id="36" name="Slide Number"/>
-          <p:cNvSpPr txBox="1"/>
+          <p:cNvSpPr txBox="1">
+            <a:spLocks noGrp="1"/>
+          </p:cNvSpPr>
           <p:nvPr>
             <p:ph type="sldNum" sz="quarter" idx="2"/>
           </p:nvPr>
@@ -2398,8 +2480,10 @@
           <a:bodyPr/>
           <a:lstStyle/>
           <a:p>
-            <a:pPr/>
-            <a:fld id="{86CB4B4D-7CA3-9044-876B-883B54F8677D}" type="slidenum"/>
+            <a:fld id="{86CB4B4D-7CA3-9044-876B-883B54F8677D}" type="slidenum">
+              <a:t>‹#›</a:t>
+            </a:fld>
+            <a:endParaRPr/>
           </a:p>
         </p:txBody>
       </p:sp>
@@ -2408,18 +2492,19 @@
   <p:clrMapOvr>
     <a:masterClrMapping/>
   </p:clrMapOvr>
-  <p:transition xmlns:p14="http://schemas.microsoft.com/office/powerpoint/2010/main" spd="med" advClick="1"/>
+  <p:transition spd="med"/>
 </p:sldLayout>
 </file>
 
 <file path=ppt/slideLayouts/slideLayout4.xml><?xml version="1.0" encoding="utf-8"?>
-<p:sldLayout xmlns:a="http://schemas.openxmlformats.org/drawingml/2006/main" xmlns:r="http://schemas.openxmlformats.org/officeDocument/2006/relationships" xmlns:p="http://schemas.openxmlformats.org/presentationml/2006/main" xmlns:m="http://schemas.openxmlformats.org/officeDocument/2006/math" xmlns:a14="http://schemas.microsoft.com/office/drawing/2010/main" type="tx" showMasterSp="0" showMasterPhAnim="1">
+<p:sldLayout xmlns:a="http://schemas.openxmlformats.org/drawingml/2006/main" xmlns:r="http://schemas.openxmlformats.org/officeDocument/2006/relationships" xmlns:p="http://schemas.openxmlformats.org/presentationml/2006/main" showMasterSp="0" type="tx">
   <p:cSld name="Title - Centre">
     <p:bg>
       <p:bgPr>
         <a:solidFill>
           <a:srgbClr val="222222"/>
         </a:solidFill>
+        <a:effectLst/>
       </p:bgPr>
     </p:bg>
     <p:spTree>
@@ -2439,7 +2524,9 @@
       <p:sp>
         <p:nvSpPr>
           <p:cNvPr id="43" name="Title Text"/>
-          <p:cNvSpPr txBox="1"/>
+          <p:cNvSpPr txBox="1">
+            <a:spLocks noGrp="1"/>
+          </p:cNvSpPr>
           <p:nvPr>
             <p:ph type="title"/>
           </p:nvPr>
@@ -2464,7 +2551,6 @@
             </a:lvl1pPr>
           </a:lstStyle>
           <a:p>
-            <a:pPr/>
             <a:r>
               <a:t>Title Text</a:t>
             </a:r>
@@ -2474,7 +2560,9 @@
       <p:sp>
         <p:nvSpPr>
           <p:cNvPr id="44" name="Slide Number"/>
-          <p:cNvSpPr txBox="1"/>
+          <p:cNvSpPr txBox="1">
+            <a:spLocks noGrp="1"/>
+          </p:cNvSpPr>
           <p:nvPr>
             <p:ph type="sldNum" sz="quarter" idx="2"/>
           </p:nvPr>
@@ -2492,8 +2580,10 @@
           <a:bodyPr/>
           <a:lstStyle/>
           <a:p>
-            <a:pPr/>
-            <a:fld id="{86CB4B4D-7CA3-9044-876B-883B54F8677D}" type="slidenum"/>
+            <a:fld id="{86CB4B4D-7CA3-9044-876B-883B54F8677D}" type="slidenum">
+              <a:t>‹#›</a:t>
+            </a:fld>
+            <a:endParaRPr/>
           </a:p>
         </p:txBody>
       </p:sp>
@@ -2502,18 +2592,19 @@
   <p:clrMapOvr>
     <a:masterClrMapping/>
   </p:clrMapOvr>
-  <p:transition xmlns:p14="http://schemas.microsoft.com/office/powerpoint/2010/main" spd="med" advClick="1"/>
+  <p:transition spd="med"/>
 </p:sldLayout>
 </file>
 
 <file path=ppt/slideLayouts/slideLayout5.xml><?xml version="1.0" encoding="utf-8"?>
-<p:sldLayout xmlns:a="http://schemas.openxmlformats.org/drawingml/2006/main" xmlns:r="http://schemas.openxmlformats.org/officeDocument/2006/relationships" xmlns:p="http://schemas.openxmlformats.org/presentationml/2006/main" xmlns:m="http://schemas.openxmlformats.org/officeDocument/2006/math" xmlns:a14="http://schemas.microsoft.com/office/drawing/2010/main" type="tx" showMasterSp="0" showMasterPhAnim="1">
+<p:sldLayout xmlns:a="http://schemas.openxmlformats.org/drawingml/2006/main" xmlns:r="http://schemas.openxmlformats.org/officeDocument/2006/relationships" xmlns:p="http://schemas.openxmlformats.org/presentationml/2006/main" showMasterSp="0" type="tx">
   <p:cSld name="Photo - Vertical">
     <p:bg>
       <p:bgPr>
         <a:solidFill>
           <a:srgbClr val="222222"/>
         </a:solidFill>
+        <a:effectLst/>
       </p:bgPr>
     </p:bg>
     <p:spTree>
@@ -2569,13 +2660,16 @@
                 <a:sym typeface="Helvetica"/>
               </a:defRPr>
             </a:pPr>
+            <a:endParaRPr/>
           </a:p>
         </p:txBody>
       </p:sp>
       <p:sp>
         <p:nvSpPr>
           <p:cNvPr id="52" name="Image"/>
-          <p:cNvSpPr/>
+          <p:cNvSpPr>
+            <a:spLocks noGrp="1"/>
+          </p:cNvSpPr>
           <p:nvPr>
             <p:ph type="pic" idx="13"/>
           </p:nvPr>
@@ -2595,14 +2689,16 @@
           </a:bodyPr>
           <a:lstStyle/>
           <a:p>
-            <a:pPr/>
+            <a:endParaRPr/>
           </a:p>
         </p:txBody>
       </p:sp>
       <p:sp>
         <p:nvSpPr>
           <p:cNvPr id="53" name="Title Text"/>
-          <p:cNvSpPr txBox="1"/>
+          <p:cNvSpPr txBox="1">
+            <a:spLocks noGrp="1"/>
+          </p:cNvSpPr>
           <p:nvPr>
             <p:ph type="title"/>
           </p:nvPr>
@@ -2627,7 +2723,6 @@
             </a:lvl1pPr>
           </a:lstStyle>
           <a:p>
-            <a:pPr/>
             <a:r>
               <a:t>Title Text</a:t>
             </a:r>
@@ -2637,7 +2732,9 @@
       <p:sp>
         <p:nvSpPr>
           <p:cNvPr id="54" name="Body Level One…"/>
-          <p:cNvSpPr txBox="1"/>
+          <p:cNvSpPr txBox="1">
+            <a:spLocks noGrp="1"/>
+          </p:cNvSpPr>
           <p:nvPr>
             <p:ph type="body" sz="quarter" idx="1"/>
           </p:nvPr>
@@ -2665,7 +2762,7 @@
               <a:buSzTx/>
               <a:buFontTx/>
               <a:buNone/>
-              <a:defRPr cap="all" sz="5400">
+              <a:defRPr sz="5400" cap="all">
                 <a:solidFill>
                   <a:srgbClr val="A6AAA9"/>
                 </a:solidFill>
@@ -2686,7 +2783,7 @@
               <a:buSzTx/>
               <a:buFontTx/>
               <a:buNone/>
-              <a:defRPr cap="all" sz="5400">
+              <a:defRPr sz="5400" cap="all">
                 <a:solidFill>
                   <a:srgbClr val="A6AAA9"/>
                 </a:solidFill>
@@ -2707,7 +2804,7 @@
               <a:buSzTx/>
               <a:buFontTx/>
               <a:buNone/>
-              <a:defRPr cap="all" sz="5400">
+              <a:defRPr sz="5400" cap="all">
                 <a:solidFill>
                   <a:srgbClr val="A6AAA9"/>
                 </a:solidFill>
@@ -2728,7 +2825,7 @@
               <a:buSzTx/>
               <a:buFontTx/>
               <a:buNone/>
-              <a:defRPr cap="all" sz="5400">
+              <a:defRPr sz="5400" cap="all">
                 <a:solidFill>
                   <a:srgbClr val="A6AAA9"/>
                 </a:solidFill>
@@ -2749,7 +2846,7 @@
               <a:buSzTx/>
               <a:buFontTx/>
               <a:buNone/>
-              <a:defRPr cap="all" sz="5400">
+              <a:defRPr sz="5400" cap="all">
                 <a:solidFill>
                   <a:srgbClr val="A6AAA9"/>
                 </a:solidFill>
@@ -2761,7 +2858,6 @@
             </a:lvl5pPr>
           </a:lstStyle>
           <a:p>
-            <a:pPr/>
             <a:r>
               <a:t>Body Level One</a:t>
             </a:r>
@@ -2795,7 +2891,9 @@
       <p:sp>
         <p:nvSpPr>
           <p:cNvPr id="55" name="Slide Number"/>
-          <p:cNvSpPr txBox="1"/>
+          <p:cNvSpPr txBox="1">
+            <a:spLocks noGrp="1"/>
+          </p:cNvSpPr>
           <p:nvPr>
             <p:ph type="sldNum" sz="quarter" idx="2"/>
           </p:nvPr>
@@ -2813,8 +2911,10 @@
           <a:bodyPr/>
           <a:lstStyle/>
           <a:p>
-            <a:pPr/>
-            <a:fld id="{86CB4B4D-7CA3-9044-876B-883B54F8677D}" type="slidenum"/>
+            <a:fld id="{86CB4B4D-7CA3-9044-876B-883B54F8677D}" type="slidenum">
+              <a:t>‹#›</a:t>
+            </a:fld>
+            <a:endParaRPr/>
           </a:p>
         </p:txBody>
       </p:sp>
@@ -2823,12 +2923,12 @@
   <p:clrMapOvr>
     <a:masterClrMapping/>
   </p:clrMapOvr>
-  <p:transition xmlns:p14="http://schemas.microsoft.com/office/powerpoint/2010/main" spd="med" advClick="1"/>
+  <p:transition spd="med"/>
 </p:sldLayout>
 </file>
 
 <file path=ppt/slideLayouts/slideLayout6.xml><?xml version="1.0" encoding="utf-8"?>
-<p:sldLayout xmlns:a="http://schemas.openxmlformats.org/drawingml/2006/main" xmlns:r="http://schemas.openxmlformats.org/officeDocument/2006/relationships" xmlns:p="http://schemas.openxmlformats.org/presentationml/2006/main" xmlns:m="http://schemas.openxmlformats.org/officeDocument/2006/math" xmlns:a14="http://schemas.microsoft.com/office/drawing/2010/main" type="tx" showMasterSp="1" showMasterPhAnim="1">
+<p:sldLayout xmlns:a="http://schemas.openxmlformats.org/drawingml/2006/main" xmlns:r="http://schemas.openxmlformats.org/officeDocument/2006/relationships" xmlns:p="http://schemas.openxmlformats.org/presentationml/2006/main" type="tx">
   <p:cSld name="Title - Top">
     <p:spTree>
       <p:nvGrpSpPr>
@@ -2847,7 +2947,9 @@
       <p:sp>
         <p:nvSpPr>
           <p:cNvPr id="62" name="Text"/>
-          <p:cNvSpPr txBox="1"/>
+          <p:cNvSpPr txBox="1">
+            <a:spLocks noGrp="1"/>
+          </p:cNvSpPr>
           <p:nvPr>
             <p:ph type="body" sz="quarter" idx="13"/>
           </p:nvPr>
@@ -2877,7 +2979,7 @@
               <a:buSzTx/>
               <a:buFontTx/>
               <a:buNone/>
-              <a:defRPr cap="all" spc="120" sz="2400">
+              <a:defRPr sz="2400" cap="all" spc="120">
                 <a:latin typeface="DIN Alternate"/>
                 <a:ea typeface="DIN Alternate"/>
                 <a:cs typeface="DIN Alternate"/>
@@ -2886,7 +2988,6 @@
             </a:lvl1pPr>
           </a:lstStyle>
           <a:p>
-            <a:pPr/>
             <a:r>
               <a:t>Text</a:t>
             </a:r>
@@ -2896,7 +2997,9 @@
       <p:sp>
         <p:nvSpPr>
           <p:cNvPr id="63" name="Title Text"/>
-          <p:cNvSpPr txBox="1"/>
+          <p:cNvSpPr txBox="1">
+            <a:spLocks noGrp="1"/>
+          </p:cNvSpPr>
           <p:nvPr>
             <p:ph type="title"/>
           </p:nvPr>
@@ -2910,7 +3013,6 @@
           <a:bodyPr/>
           <a:lstStyle/>
           <a:p>
-            <a:pPr/>
             <a:r>
               <a:t>Title Text</a:t>
             </a:r>
@@ -2920,7 +3022,9 @@
       <p:sp>
         <p:nvSpPr>
           <p:cNvPr id="64" name="Slide Number"/>
-          <p:cNvSpPr txBox="1"/>
+          <p:cNvSpPr txBox="1">
+            <a:spLocks noGrp="1"/>
+          </p:cNvSpPr>
           <p:nvPr>
             <p:ph type="sldNum" sz="quarter" idx="2"/>
           </p:nvPr>
@@ -2934,8 +3038,10 @@
           <a:bodyPr/>
           <a:lstStyle/>
           <a:p>
-            <a:pPr/>
-            <a:fld id="{86CB4B4D-7CA3-9044-876B-883B54F8677D}" type="slidenum"/>
+            <a:fld id="{86CB4B4D-7CA3-9044-876B-883B54F8677D}" type="slidenum">
+              <a:t>‹#›</a:t>
+            </a:fld>
+            <a:endParaRPr/>
           </a:p>
         </p:txBody>
       </p:sp>
@@ -2944,18 +3050,19 @@
   <p:clrMapOvr>
     <a:masterClrMapping/>
   </p:clrMapOvr>
-  <p:transition xmlns:p14="http://schemas.microsoft.com/office/powerpoint/2010/main" spd="med" advClick="1"/>
+  <p:transition spd="med"/>
 </p:sldLayout>
 </file>
 
 <file path=ppt/slideLayouts/slideLayout7.xml><?xml version="1.0" encoding="utf-8"?>
-<p:sldLayout xmlns:a="http://schemas.openxmlformats.org/drawingml/2006/main" xmlns:r="http://schemas.openxmlformats.org/officeDocument/2006/relationships" xmlns:p="http://schemas.openxmlformats.org/presentationml/2006/main" xmlns:m="http://schemas.openxmlformats.org/officeDocument/2006/math" xmlns:a14="http://schemas.microsoft.com/office/drawing/2010/main" type="tx" showMasterSp="1" showMasterPhAnim="1">
+<p:sldLayout xmlns:a="http://schemas.openxmlformats.org/drawingml/2006/main" xmlns:r="http://schemas.openxmlformats.org/officeDocument/2006/relationships" xmlns:p="http://schemas.openxmlformats.org/presentationml/2006/main" type="tx">
   <p:cSld name="Title &amp; Bullets">
     <p:bg>
       <p:bgPr>
         <a:solidFill>
           <a:srgbClr val="222222"/>
         </a:solidFill>
+        <a:effectLst/>
       </p:bgPr>
     </p:bg>
     <p:spTree>
@@ -2975,7 +3082,9 @@
       <p:sp>
         <p:nvSpPr>
           <p:cNvPr id="71" name="Text"/>
-          <p:cNvSpPr txBox="1"/>
+          <p:cNvSpPr txBox="1">
+            <a:spLocks noGrp="1"/>
+          </p:cNvSpPr>
           <p:nvPr>
             <p:ph type="body" sz="quarter" idx="13"/>
           </p:nvPr>
@@ -3005,7 +3114,7 @@
               <a:buSzTx/>
               <a:buFontTx/>
               <a:buNone/>
-              <a:defRPr cap="all" spc="120" sz="2400">
+              <a:defRPr sz="2400" cap="all" spc="120">
                 <a:latin typeface="DIN Alternate"/>
                 <a:ea typeface="DIN Alternate"/>
                 <a:cs typeface="DIN Alternate"/>
@@ -3014,7 +3123,6 @@
             </a:lvl1pPr>
           </a:lstStyle>
           <a:p>
-            <a:pPr/>
             <a:r>
               <a:t>Text</a:t>
             </a:r>
@@ -3024,7 +3132,9 @@
       <p:sp>
         <p:nvSpPr>
           <p:cNvPr id="72" name="Title Text"/>
-          <p:cNvSpPr txBox="1"/>
+          <p:cNvSpPr txBox="1">
+            <a:spLocks noGrp="1"/>
+          </p:cNvSpPr>
           <p:nvPr>
             <p:ph type="title"/>
           </p:nvPr>
@@ -3038,7 +3148,6 @@
           <a:bodyPr/>
           <a:lstStyle/>
           <a:p>
-            <a:pPr/>
             <a:r>
               <a:t>Title Text</a:t>
             </a:r>
@@ -3048,7 +3157,9 @@
       <p:sp>
         <p:nvSpPr>
           <p:cNvPr id="73" name="Body Level One…"/>
-          <p:cNvSpPr txBox="1"/>
+          <p:cNvSpPr txBox="1">
+            <a:spLocks noGrp="1"/>
+          </p:cNvSpPr>
           <p:nvPr>
             <p:ph type="body" idx="1"/>
           </p:nvPr>
@@ -3093,7 +3204,6 @@
             </a:lvl5pPr>
           </a:lstStyle>
           <a:p>
-            <a:pPr/>
             <a:r>
               <a:t>Body Level One</a:t>
             </a:r>
@@ -3127,7 +3237,9 @@
       <p:sp>
         <p:nvSpPr>
           <p:cNvPr id="74" name="Slide Number"/>
-          <p:cNvSpPr txBox="1"/>
+          <p:cNvSpPr txBox="1">
+            <a:spLocks noGrp="1"/>
+          </p:cNvSpPr>
           <p:nvPr>
             <p:ph type="sldNum" sz="quarter" idx="2"/>
           </p:nvPr>
@@ -3141,8 +3253,10 @@
           <a:bodyPr/>
           <a:lstStyle/>
           <a:p>
-            <a:pPr/>
-            <a:fld id="{86CB4B4D-7CA3-9044-876B-883B54F8677D}" type="slidenum"/>
+            <a:fld id="{86CB4B4D-7CA3-9044-876B-883B54F8677D}" type="slidenum">
+              <a:t>‹#›</a:t>
+            </a:fld>
+            <a:endParaRPr/>
           </a:p>
         </p:txBody>
       </p:sp>
@@ -3151,12 +3265,12 @@
   <p:clrMapOvr>
     <a:masterClrMapping/>
   </p:clrMapOvr>
-  <p:transition xmlns:p14="http://schemas.microsoft.com/office/powerpoint/2010/main" spd="med" advClick="1"/>
+  <p:transition spd="med"/>
 </p:sldLayout>
 </file>
 
 <file path=ppt/slideLayouts/slideLayout8.xml><?xml version="1.0" encoding="utf-8"?>
-<p:sldLayout xmlns:a="http://schemas.openxmlformats.org/drawingml/2006/main" xmlns:r="http://schemas.openxmlformats.org/officeDocument/2006/relationships" xmlns:p="http://schemas.openxmlformats.org/presentationml/2006/main" xmlns:m="http://schemas.openxmlformats.org/officeDocument/2006/math" xmlns:a14="http://schemas.microsoft.com/office/drawing/2010/main" type="tx" showMasterSp="1" showMasterPhAnim="1">
+<p:sldLayout xmlns:a="http://schemas.openxmlformats.org/drawingml/2006/main" xmlns:r="http://schemas.openxmlformats.org/officeDocument/2006/relationships" xmlns:p="http://schemas.openxmlformats.org/presentationml/2006/main" type="tx">
   <p:cSld name="Title &amp; Bullets Alt">
     <p:spTree>
       <p:nvGrpSpPr>
@@ -3175,7 +3289,9 @@
       <p:sp>
         <p:nvSpPr>
           <p:cNvPr id="81" name="Text"/>
-          <p:cNvSpPr txBox="1"/>
+          <p:cNvSpPr txBox="1">
+            <a:spLocks noGrp="1"/>
+          </p:cNvSpPr>
           <p:nvPr>
             <p:ph type="body" sz="quarter" idx="13"/>
           </p:nvPr>
@@ -3205,7 +3321,7 @@
               <a:buSzTx/>
               <a:buFontTx/>
               <a:buNone/>
-              <a:defRPr cap="all" spc="120" sz="2400">
+              <a:defRPr sz="2400" cap="all" spc="120">
                 <a:latin typeface="DIN Alternate"/>
                 <a:ea typeface="DIN Alternate"/>
                 <a:cs typeface="DIN Alternate"/>
@@ -3214,7 +3330,6 @@
             </a:lvl1pPr>
           </a:lstStyle>
           <a:p>
-            <a:pPr/>
             <a:r>
               <a:t>Text</a:t>
             </a:r>
@@ -3224,7 +3339,9 @@
       <p:sp>
         <p:nvSpPr>
           <p:cNvPr id="82" name="Title Text"/>
-          <p:cNvSpPr txBox="1"/>
+          <p:cNvSpPr txBox="1">
+            <a:spLocks noGrp="1"/>
+          </p:cNvSpPr>
           <p:nvPr>
             <p:ph type="title"/>
           </p:nvPr>
@@ -3238,7 +3355,6 @@
           <a:bodyPr/>
           <a:lstStyle/>
           <a:p>
-            <a:pPr/>
             <a:r>
               <a:t>Title Text</a:t>
             </a:r>
@@ -3248,7 +3364,9 @@
       <p:sp>
         <p:nvSpPr>
           <p:cNvPr id="83" name="Body Level One…"/>
-          <p:cNvSpPr txBox="1"/>
+          <p:cNvSpPr txBox="1">
+            <a:spLocks noGrp="1"/>
+          </p:cNvSpPr>
           <p:nvPr>
             <p:ph type="body" idx="1"/>
           </p:nvPr>
@@ -3293,7 +3411,6 @@
             </a:lvl5pPr>
           </a:lstStyle>
           <a:p>
-            <a:pPr/>
             <a:r>
               <a:t>Body Level One</a:t>
             </a:r>
@@ -3327,7 +3444,9 @@
       <p:sp>
         <p:nvSpPr>
           <p:cNvPr id="84" name="Slide Number"/>
-          <p:cNvSpPr txBox="1"/>
+          <p:cNvSpPr txBox="1">
+            <a:spLocks noGrp="1"/>
+          </p:cNvSpPr>
           <p:nvPr>
             <p:ph type="sldNum" sz="quarter" idx="2"/>
           </p:nvPr>
@@ -3341,8 +3460,10 @@
           <a:bodyPr/>
           <a:lstStyle/>
           <a:p>
-            <a:pPr/>
-            <a:fld id="{86CB4B4D-7CA3-9044-876B-883B54F8677D}" type="slidenum"/>
+            <a:fld id="{86CB4B4D-7CA3-9044-876B-883B54F8677D}" type="slidenum">
+              <a:t>‹#›</a:t>
+            </a:fld>
+            <a:endParaRPr/>
           </a:p>
         </p:txBody>
       </p:sp>
@@ -3351,18 +3472,19 @@
   <p:clrMapOvr>
     <a:masterClrMapping/>
   </p:clrMapOvr>
-  <p:transition xmlns:p14="http://schemas.microsoft.com/office/powerpoint/2010/main" spd="med" advClick="1"/>
+  <p:transition spd="med"/>
 </p:sldLayout>
 </file>
 
 <file path=ppt/slideLayouts/slideLayout9.xml><?xml version="1.0" encoding="utf-8"?>
-<p:sldLayout xmlns:a="http://schemas.openxmlformats.org/drawingml/2006/main" xmlns:r="http://schemas.openxmlformats.org/officeDocument/2006/relationships" xmlns:p="http://schemas.openxmlformats.org/presentationml/2006/main" xmlns:m="http://schemas.openxmlformats.org/officeDocument/2006/math" xmlns:a14="http://schemas.microsoft.com/office/drawing/2010/main" type="tx" showMasterSp="1" showMasterPhAnim="1">
+<p:sldLayout xmlns:a="http://schemas.openxmlformats.org/drawingml/2006/main" xmlns:r="http://schemas.openxmlformats.org/officeDocument/2006/relationships" xmlns:p="http://schemas.openxmlformats.org/presentationml/2006/main" type="tx">
   <p:cSld name="Title, Bullets &amp; Photo">
     <p:bg>
       <p:bgPr>
         <a:solidFill>
           <a:srgbClr val="222222"/>
         </a:solidFill>
+        <a:effectLst/>
       </p:bgPr>
     </p:bg>
     <p:spTree>
@@ -3382,7 +3504,9 @@
       <p:sp>
         <p:nvSpPr>
           <p:cNvPr id="91" name="Text"/>
-          <p:cNvSpPr txBox="1"/>
+          <p:cNvSpPr txBox="1">
+            <a:spLocks noGrp="1"/>
+          </p:cNvSpPr>
           <p:nvPr>
             <p:ph type="body" sz="quarter" idx="13"/>
           </p:nvPr>
@@ -3412,7 +3536,7 @@
               <a:buSzTx/>
               <a:buFontTx/>
               <a:buNone/>
-              <a:defRPr cap="all" spc="120" sz="2400">
+              <a:defRPr sz="2400" cap="all" spc="120">
                 <a:latin typeface="DIN Alternate"/>
                 <a:ea typeface="DIN Alternate"/>
                 <a:cs typeface="DIN Alternate"/>
@@ -3421,7 +3545,6 @@
             </a:lvl1pPr>
           </a:lstStyle>
           <a:p>
-            <a:pPr/>
             <a:r>
               <a:t>Text</a:t>
             </a:r>
@@ -3431,7 +3554,9 @@
       <p:sp>
         <p:nvSpPr>
           <p:cNvPr id="92" name="Image"/>
-          <p:cNvSpPr/>
+          <p:cNvSpPr>
+            <a:spLocks noGrp="1"/>
+          </p:cNvSpPr>
           <p:nvPr>
             <p:ph type="pic" idx="14"/>
           </p:nvPr>
@@ -3451,14 +3576,16 @@
           </a:bodyPr>
           <a:lstStyle/>
           <a:p>
-            <a:pPr/>
+            <a:endParaRPr/>
           </a:p>
         </p:txBody>
       </p:sp>
       <p:sp>
         <p:nvSpPr>
           <p:cNvPr id="93" name="Title Text"/>
-          <p:cNvSpPr txBox="1"/>
+          <p:cNvSpPr txBox="1">
+            <a:spLocks noGrp="1"/>
+          </p:cNvSpPr>
           <p:nvPr>
             <p:ph type="title"/>
           </p:nvPr>
@@ -3476,7 +3603,6 @@
           <a:bodyPr/>
           <a:lstStyle/>
           <a:p>
-            <a:pPr/>
             <a:r>
               <a:t>Title Text</a:t>
             </a:r>
@@ -3486,7 +3612,9 @@
       <p:sp>
         <p:nvSpPr>
           <p:cNvPr id="94" name="Body Level One…"/>
-          <p:cNvSpPr txBox="1"/>
+          <p:cNvSpPr txBox="1">
+            <a:spLocks noGrp="1"/>
+          </p:cNvSpPr>
           <p:nvPr>
             <p:ph type="body" sz="half" idx="1"/>
           </p:nvPr>
@@ -3540,7 +3668,6 @@
             </a:lvl5pPr>
           </a:lstStyle>
           <a:p>
-            <a:pPr/>
             <a:r>
               <a:t>Body Level One</a:t>
             </a:r>
@@ -3574,7 +3701,9 @@
       <p:sp>
         <p:nvSpPr>
           <p:cNvPr id="95" name="Slide Number"/>
-          <p:cNvSpPr txBox="1"/>
+          <p:cNvSpPr txBox="1">
+            <a:spLocks noGrp="1"/>
+          </p:cNvSpPr>
           <p:nvPr>
             <p:ph type="sldNum" sz="quarter" idx="2"/>
           </p:nvPr>
@@ -3588,8 +3717,10 @@
           <a:bodyPr/>
           <a:lstStyle/>
           <a:p>
-            <a:pPr/>
-            <a:fld id="{86CB4B4D-7CA3-9044-876B-883B54F8677D}" type="slidenum"/>
+            <a:fld id="{86CB4B4D-7CA3-9044-876B-883B54F8677D}" type="slidenum">
+              <a:t>‹#›</a:t>
+            </a:fld>
+            <a:endParaRPr/>
           </a:p>
         </p:txBody>
       </p:sp>
@@ -3598,18 +3729,19 @@
   <p:clrMapOvr>
     <a:masterClrMapping/>
   </p:clrMapOvr>
-  <p:transition xmlns:p14="http://schemas.microsoft.com/office/powerpoint/2010/main" spd="med" advClick="1"/>
+  <p:transition spd="med"/>
 </p:sldLayout>
 </file>
 
 <file path=ppt/slideMasters/slideMaster1.xml><?xml version="1.0" encoding="utf-8"?>
-<p:sldMaster xmlns:a="http://schemas.openxmlformats.org/drawingml/2006/main" xmlns:r="http://schemas.openxmlformats.org/officeDocument/2006/relationships" xmlns:p="http://schemas.openxmlformats.org/presentationml/2006/main" xmlns:m="http://schemas.openxmlformats.org/officeDocument/2006/math" xmlns:a14="http://schemas.microsoft.com/office/drawing/2010/main">
+<p:sldMaster xmlns:a="http://schemas.openxmlformats.org/drawingml/2006/main" xmlns:r="http://schemas.openxmlformats.org/officeDocument/2006/relationships" xmlns:p="http://schemas.openxmlformats.org/presentationml/2006/main">
   <p:cSld>
     <p:bg>
       <p:bgPr>
         <a:solidFill>
           <a:srgbClr val="FFFFFF"/>
         </a:solidFill>
+        <a:effectLst/>
       </p:bgPr>
     </p:bg>
     <p:spTree>
@@ -3665,13 +3797,16 @@
                 <a:sym typeface="Helvetica"/>
               </a:defRPr>
             </a:pPr>
+            <a:endParaRPr/>
           </a:p>
         </p:txBody>
       </p:sp>
       <p:sp>
         <p:nvSpPr>
           <p:cNvPr id="3" name="Title Text"/>
-          <p:cNvSpPr txBox="1"/>
+          <p:cNvSpPr txBox="1">
+            <a:spLocks noGrp="1"/>
+          </p:cNvSpPr>
           <p:nvPr>
             <p:ph type="title"/>
           </p:nvPr>
@@ -3689,17 +3824,16 @@
           </a:ln>
           <a:extLst>
             <a:ext uri="{C572A759-6A51-4108-AA02-DFA0A04FC94B}">
-              <ma14:wrappingTextBoxFlag xmlns:ma14="http://schemas.microsoft.com/office/mac/drawingml/2011/main" val="1"/>
+              <ma14:wrappingTextBoxFlag xmlns:ma14="http://schemas.microsoft.com/office/mac/drawingml/2011/main" xmlns:a14="http://schemas.microsoft.com/office/drawing/2010/main" xmlns:m="http://schemas.openxmlformats.org/officeDocument/2006/math" xmlns="" val="1"/>
             </a:ext>
           </a:extLst>
         </p:spPr>
         <p:txBody>
           <a:bodyPr lIns="50800" tIns="50800" rIns="50800" bIns="50800">
-            <a:normAutofit fontScale="100000" lnSpcReduction="0"/>
+            <a:normAutofit/>
           </a:bodyPr>
           <a:lstStyle/>
           <a:p>
-            <a:pPr/>
             <a:r>
               <a:t>Title Text</a:t>
             </a:r>
@@ -3709,7 +3843,9 @@
       <p:sp>
         <p:nvSpPr>
           <p:cNvPr id="4" name="Body Level One…"/>
-          <p:cNvSpPr txBox="1"/>
+          <p:cNvSpPr txBox="1">
+            <a:spLocks noGrp="1"/>
+          </p:cNvSpPr>
           <p:nvPr>
             <p:ph type="body" idx="1"/>
           </p:nvPr>
@@ -3727,17 +3863,16 @@
           </a:ln>
           <a:extLst>
             <a:ext uri="{C572A759-6A51-4108-AA02-DFA0A04FC94B}">
-              <ma14:wrappingTextBoxFlag xmlns:ma14="http://schemas.microsoft.com/office/mac/drawingml/2011/main" val="1"/>
+              <ma14:wrappingTextBoxFlag xmlns:ma14="http://schemas.microsoft.com/office/mac/drawingml/2011/main" xmlns:a14="http://schemas.microsoft.com/office/drawing/2010/main" xmlns:m="http://schemas.openxmlformats.org/officeDocument/2006/math" xmlns="" val="1"/>
             </a:ext>
           </a:extLst>
         </p:spPr>
         <p:txBody>
           <a:bodyPr lIns="50800" tIns="50800" rIns="50800" bIns="50800">
-            <a:normAutofit fontScale="100000" lnSpcReduction="0"/>
+            <a:normAutofit/>
           </a:bodyPr>
           <a:lstStyle/>
           <a:p>
-            <a:pPr/>
             <a:r>
               <a:t>Body Level One</a:t>
             </a:r>
@@ -3771,7 +3906,9 @@
       <p:sp>
         <p:nvSpPr>
           <p:cNvPr id="5" name="Slide Number"/>
-          <p:cNvSpPr txBox="1"/>
+          <p:cNvSpPr txBox="1">
+            <a:spLocks noGrp="1"/>
+          </p:cNvSpPr>
           <p:nvPr>
             <p:ph type="sldNum" sz="quarter" idx="2"/>
           </p:nvPr>
@@ -3809,8 +3946,10 @@
             </a:lvl1pPr>
           </a:lstStyle>
           <a:p>
-            <a:pPr/>
-            <a:fld id="{86CB4B4D-7CA3-9044-876B-883B54F8677D}" type="slidenum"/>
+            <a:fld id="{86CB4B4D-7CA3-9044-876B-883B54F8677D}" type="slidenum">
+              <a:t>‹#›</a:t>
+            </a:fld>
+            <a:endParaRPr/>
           </a:p>
         </p:txBody>
       </p:sp>
@@ -3818,24 +3957,24 @@
   </p:cSld>
   <p:clrMap bg1="dk1" tx1="lt1" bg2="dk2" tx2="lt2" accent1="accent1" accent2="accent2" accent3="accent3" accent4="accent4" accent5="accent5" accent6="accent6" hlink="hlink" folHlink="folHlink"/>
   <p:sldLayoutIdLst>
-    <p:sldLayoutId id="2147483649" r:id="rId2"/>
-    <p:sldLayoutId id="2147483650" r:id="rId3"/>
-    <p:sldLayoutId id="2147483651" r:id="rId4"/>
-    <p:sldLayoutId id="2147483652" r:id="rId5"/>
-    <p:sldLayoutId id="2147483653" r:id="rId6"/>
-    <p:sldLayoutId id="2147483654" r:id="rId7"/>
-    <p:sldLayoutId id="2147483655" r:id="rId8"/>
-    <p:sldLayoutId id="2147483656" r:id="rId9"/>
-    <p:sldLayoutId id="2147483657" r:id="rId10"/>
-    <p:sldLayoutId id="2147483658" r:id="rId11"/>
-    <p:sldLayoutId id="2147483659" r:id="rId12"/>
-    <p:sldLayoutId id="2147483660" r:id="rId13"/>
-    <p:sldLayoutId id="2147483661" r:id="rId14"/>
-    <p:sldLayoutId id="2147483662" r:id="rId15"/>
-    <p:sldLayoutId id="2147483663" r:id="rId16"/>
-    <p:sldLayoutId id="2147483664" r:id="rId17"/>
+    <p:sldLayoutId id="2147483649" r:id="rId1"/>
+    <p:sldLayoutId id="2147483650" r:id="rId2"/>
+    <p:sldLayoutId id="2147483651" r:id="rId3"/>
+    <p:sldLayoutId id="2147483652" r:id="rId4"/>
+    <p:sldLayoutId id="2147483653" r:id="rId5"/>
+    <p:sldLayoutId id="2147483654" r:id="rId6"/>
+    <p:sldLayoutId id="2147483655" r:id="rId7"/>
+    <p:sldLayoutId id="2147483656" r:id="rId8"/>
+    <p:sldLayoutId id="2147483657" r:id="rId9"/>
+    <p:sldLayoutId id="2147483658" r:id="rId10"/>
+    <p:sldLayoutId id="2147483659" r:id="rId11"/>
+    <p:sldLayoutId id="2147483660" r:id="rId12"/>
+    <p:sldLayoutId id="2147483661" r:id="rId13"/>
+    <p:sldLayoutId id="2147483662" r:id="rId14"/>
+    <p:sldLayoutId id="2147483663" r:id="rId15"/>
+    <p:sldLayoutId id="2147483664" r:id="rId16"/>
   </p:sldLayoutIdLst>
-  <p:transition xmlns:p14="http://schemas.microsoft.com/office/powerpoint/2010/main" spd="med" advClick="1"/>
+  <p:transition spd="med"/>
   <p:txStyles>
     <p:titleStyle>
       <a:lvl1pPr marL="0" marR="0" indent="0" algn="l" defTabSz="584200" rtl="0" latinLnBrk="0">
@@ -3853,7 +3992,7 @@
         <a:buFontTx/>
         <a:buNone/>
         <a:tabLst/>
-        <a:defRPr b="0" baseline="0" cap="all" i="0" spc="0" strike="noStrike" sz="6000" u="none">
+        <a:defRPr sz="6000" b="0" i="0" u="none" strike="noStrike" cap="all" spc="0" baseline="0">
           <a:solidFill>
             <a:schemeClr val="accent1"/>
           </a:solidFill>
@@ -3879,7 +4018,7 @@
         <a:buFontTx/>
         <a:buNone/>
         <a:tabLst/>
-        <a:defRPr b="0" baseline="0" cap="all" i="0" spc="0" strike="noStrike" sz="6000" u="none">
+        <a:defRPr sz="6000" b="0" i="0" u="none" strike="noStrike" cap="all" spc="0" baseline="0">
           <a:solidFill>
             <a:schemeClr val="accent1"/>
           </a:solidFill>
@@ -3905,7 +4044,7 @@
         <a:buFontTx/>
         <a:buNone/>
         <a:tabLst/>
-        <a:defRPr b="0" baseline="0" cap="all" i="0" spc="0" strike="noStrike" sz="6000" u="none">
+        <a:defRPr sz="6000" b="0" i="0" u="none" strike="noStrike" cap="all" spc="0" baseline="0">
           <a:solidFill>
             <a:schemeClr val="accent1"/>
           </a:solidFill>
@@ -3931,7 +4070,7 @@
         <a:buFontTx/>
         <a:buNone/>
         <a:tabLst/>
-        <a:defRPr b="0" baseline="0" cap="all" i="0" spc="0" strike="noStrike" sz="6000" u="none">
+        <a:defRPr sz="6000" b="0" i="0" u="none" strike="noStrike" cap="all" spc="0" baseline="0">
           <a:solidFill>
             <a:schemeClr val="accent1"/>
           </a:solidFill>
@@ -3957,7 +4096,7 @@
         <a:buFontTx/>
         <a:buNone/>
         <a:tabLst/>
-        <a:defRPr b="0" baseline="0" cap="all" i="0" spc="0" strike="noStrike" sz="6000" u="none">
+        <a:defRPr sz="6000" b="0" i="0" u="none" strike="noStrike" cap="all" spc="0" baseline="0">
           <a:solidFill>
             <a:schemeClr val="accent1"/>
           </a:solidFill>
@@ -3983,7 +4122,7 @@
         <a:buFontTx/>
         <a:buNone/>
         <a:tabLst/>
-        <a:defRPr b="0" baseline="0" cap="all" i="0" spc="0" strike="noStrike" sz="6000" u="none">
+        <a:defRPr sz="6000" b="0" i="0" u="none" strike="noStrike" cap="all" spc="0" baseline="0">
           <a:solidFill>
             <a:schemeClr val="accent1"/>
           </a:solidFill>
@@ -4009,7 +4148,7 @@
         <a:buFontTx/>
         <a:buNone/>
         <a:tabLst/>
-        <a:defRPr b="0" baseline="0" cap="all" i="0" spc="0" strike="noStrike" sz="6000" u="none">
+        <a:defRPr sz="6000" b="0" i="0" u="none" strike="noStrike" cap="all" spc="0" baseline="0">
           <a:solidFill>
             <a:schemeClr val="accent1"/>
           </a:solidFill>
@@ -4035,7 +4174,7 @@
         <a:buFontTx/>
         <a:buNone/>
         <a:tabLst/>
-        <a:defRPr b="0" baseline="0" cap="all" i="0" spc="0" strike="noStrike" sz="6000" u="none">
+        <a:defRPr sz="6000" b="0" i="0" u="none" strike="noStrike" cap="all" spc="0" baseline="0">
           <a:solidFill>
             <a:schemeClr val="accent1"/>
           </a:solidFill>
@@ -4061,7 +4200,7 @@
         <a:buFontTx/>
         <a:buNone/>
         <a:tabLst/>
-        <a:defRPr b="0" baseline="0" cap="all" i="0" spc="0" strike="noStrike" sz="6000" u="none">
+        <a:defRPr sz="6000" b="0" i="0" u="none" strike="noStrike" cap="all" spc="0" baseline="0">
           <a:solidFill>
             <a:schemeClr val="accent1"/>
           </a:solidFill>
@@ -4093,7 +4232,7 @@
         <a:buFont typeface="Avenir Next"/>
         <a:buChar char="‣"/>
         <a:tabLst/>
-        <a:defRPr b="0" baseline="0" cap="none" i="0" spc="0" strike="noStrike" sz="3400" u="none">
+        <a:defRPr sz="3400" b="0" i="0" u="none" strike="noStrike" cap="none" spc="0" baseline="0">
           <a:solidFill>
             <a:srgbClr val="838787"/>
           </a:solidFill>
@@ -4123,7 +4262,7 @@
         <a:buFont typeface="Avenir Next"/>
         <a:buChar char="‣"/>
         <a:tabLst/>
-        <a:defRPr b="0" baseline="0" cap="none" i="0" spc="0" strike="noStrike" sz="3400" u="none">
+        <a:defRPr sz="3400" b="0" i="0" u="none" strike="noStrike" cap="none" spc="0" baseline="0">
           <a:solidFill>
             <a:srgbClr val="838787"/>
           </a:solidFill>
@@ -4153,7 +4292,7 @@
         <a:buFont typeface="Avenir Next"/>
         <a:buChar char="‣"/>
         <a:tabLst/>
-        <a:defRPr b="0" baseline="0" cap="none" i="0" spc="0" strike="noStrike" sz="3400" u="none">
+        <a:defRPr sz="3400" b="0" i="0" u="none" strike="noStrike" cap="none" spc="0" baseline="0">
           <a:solidFill>
             <a:srgbClr val="838787"/>
           </a:solidFill>
@@ -4183,7 +4322,7 @@
         <a:buFont typeface="Avenir Next"/>
         <a:buChar char="‣"/>
         <a:tabLst/>
-        <a:defRPr b="0" baseline="0" cap="none" i="0" spc="0" strike="noStrike" sz="3400" u="none">
+        <a:defRPr sz="3400" b="0" i="0" u="none" strike="noStrike" cap="none" spc="0" baseline="0">
           <a:solidFill>
             <a:srgbClr val="838787"/>
           </a:solidFill>
@@ -4213,7 +4352,7 @@
         <a:buFont typeface="Avenir Next"/>
         <a:buChar char="‣"/>
         <a:tabLst/>
-        <a:defRPr b="0" baseline="0" cap="none" i="0" spc="0" strike="noStrike" sz="3400" u="none">
+        <a:defRPr sz="3400" b="0" i="0" u="none" strike="noStrike" cap="none" spc="0" baseline="0">
           <a:solidFill>
             <a:srgbClr val="838787"/>
           </a:solidFill>
@@ -4243,7 +4382,7 @@
         <a:buFont typeface="Avenir Next"/>
         <a:buChar char="‣"/>
         <a:tabLst/>
-        <a:defRPr b="0" baseline="0" cap="none" i="0" spc="0" strike="noStrike" sz="3400" u="none">
+        <a:defRPr sz="3400" b="0" i="0" u="none" strike="noStrike" cap="none" spc="0" baseline="0">
           <a:solidFill>
             <a:srgbClr val="838787"/>
           </a:solidFill>
@@ -4273,7 +4412,7 @@
         <a:buFont typeface="Avenir Next"/>
         <a:buChar char="‣"/>
         <a:tabLst/>
-        <a:defRPr b="0" baseline="0" cap="none" i="0" spc="0" strike="noStrike" sz="3400" u="none">
+        <a:defRPr sz="3400" b="0" i="0" u="none" strike="noStrike" cap="none" spc="0" baseline="0">
           <a:solidFill>
             <a:srgbClr val="838787"/>
           </a:solidFill>
@@ -4303,7 +4442,7 @@
         <a:buFont typeface="Avenir Next"/>
         <a:buChar char="‣"/>
         <a:tabLst/>
-        <a:defRPr b="0" baseline="0" cap="none" i="0" spc="0" strike="noStrike" sz="3400" u="none">
+        <a:defRPr sz="3400" b="0" i="0" u="none" strike="noStrike" cap="none" spc="0" baseline="0">
           <a:solidFill>
             <a:srgbClr val="838787"/>
           </a:solidFill>
@@ -4333,7 +4472,7 @@
         <a:buFont typeface="Avenir Next"/>
         <a:buChar char="‣"/>
         <a:tabLst/>
-        <a:defRPr b="0" baseline="0" cap="none" i="0" spc="0" strike="noStrike" sz="3400" u="none">
+        <a:defRPr sz="3400" b="0" i="0" u="none" strike="noStrike" cap="none" spc="0" baseline="0">
           <a:solidFill>
             <a:srgbClr val="838787"/>
           </a:solidFill>
@@ -4361,7 +4500,7 @@
         <a:buFontTx/>
         <a:buNone/>
         <a:tabLst/>
-        <a:defRPr b="0" baseline="0" cap="none" i="0" spc="0" strike="noStrike" sz="2400" u="none">
+        <a:defRPr sz="2400" b="0" i="0" u="none" strike="noStrike" cap="none" spc="0" baseline="0">
           <a:solidFill>
             <a:schemeClr val="tx1"/>
           </a:solidFill>
@@ -4387,7 +4526,7 @@
         <a:buFontTx/>
         <a:buNone/>
         <a:tabLst/>
-        <a:defRPr b="0" baseline="0" cap="none" i="0" spc="0" strike="noStrike" sz="2400" u="none">
+        <a:defRPr sz="2400" b="0" i="0" u="none" strike="noStrike" cap="none" spc="0" baseline="0">
           <a:solidFill>
             <a:schemeClr val="tx1"/>
           </a:solidFill>
@@ -4413,7 +4552,7 @@
         <a:buFontTx/>
         <a:buNone/>
         <a:tabLst/>
-        <a:defRPr b="0" baseline="0" cap="none" i="0" spc="0" strike="noStrike" sz="2400" u="none">
+        <a:defRPr sz="2400" b="0" i="0" u="none" strike="noStrike" cap="none" spc="0" baseline="0">
           <a:solidFill>
             <a:schemeClr val="tx1"/>
           </a:solidFill>
@@ -4439,7 +4578,7 @@
         <a:buFontTx/>
         <a:buNone/>
         <a:tabLst/>
-        <a:defRPr b="0" baseline="0" cap="none" i="0" spc="0" strike="noStrike" sz="2400" u="none">
+        <a:defRPr sz="2400" b="0" i="0" u="none" strike="noStrike" cap="none" spc="0" baseline="0">
           <a:solidFill>
             <a:schemeClr val="tx1"/>
           </a:solidFill>
@@ -4465,7 +4604,7 @@
         <a:buFontTx/>
         <a:buNone/>
         <a:tabLst/>
-        <a:defRPr b="0" baseline="0" cap="none" i="0" spc="0" strike="noStrike" sz="2400" u="none">
+        <a:defRPr sz="2400" b="0" i="0" u="none" strike="noStrike" cap="none" spc="0" baseline="0">
           <a:solidFill>
             <a:schemeClr val="tx1"/>
           </a:solidFill>
@@ -4491,7 +4630,7 @@
         <a:buFontTx/>
         <a:buNone/>
         <a:tabLst/>
-        <a:defRPr b="0" baseline="0" cap="none" i="0" spc="0" strike="noStrike" sz="2400" u="none">
+        <a:defRPr sz="2400" b="0" i="0" u="none" strike="noStrike" cap="none" spc="0" baseline="0">
           <a:solidFill>
             <a:schemeClr val="tx1"/>
           </a:solidFill>
@@ -4517,7 +4656,7 @@
         <a:buFontTx/>
         <a:buNone/>
         <a:tabLst/>
-        <a:defRPr b="0" baseline="0" cap="none" i="0" spc="0" strike="noStrike" sz="2400" u="none">
+        <a:defRPr sz="2400" b="0" i="0" u="none" strike="noStrike" cap="none" spc="0" baseline="0">
           <a:solidFill>
             <a:schemeClr val="tx1"/>
           </a:solidFill>
@@ -4543,7 +4682,7 @@
         <a:buFontTx/>
         <a:buNone/>
         <a:tabLst/>
-        <a:defRPr b="0" baseline="0" cap="none" i="0" spc="0" strike="noStrike" sz="2400" u="none">
+        <a:defRPr sz="2400" b="0" i="0" u="none" strike="noStrike" cap="none" spc="0" baseline="0">
           <a:solidFill>
             <a:schemeClr val="tx1"/>
           </a:solidFill>
@@ -4569,7 +4708,7 @@
         <a:buFontTx/>
         <a:buNone/>
         <a:tabLst/>
-        <a:defRPr b="0" baseline="0" cap="none" i="0" spc="0" strike="noStrike" sz="2400" u="none">
+        <a:defRPr sz="2400" b="0" i="0" u="none" strike="noStrike" cap="none" spc="0" baseline="0">
           <a:solidFill>
             <a:schemeClr val="tx1"/>
           </a:solidFill>
@@ -4586,7 +4725,7 @@
 </file>
 
 <file path=ppt/slides/slide1.xml><?xml version="1.0" encoding="utf-8"?>
-<p:sld xmlns:a="http://schemas.openxmlformats.org/drawingml/2006/main" xmlns:r="http://schemas.openxmlformats.org/officeDocument/2006/relationships" xmlns:p="http://schemas.openxmlformats.org/presentationml/2006/main" xmlns:m="http://schemas.openxmlformats.org/officeDocument/2006/math" xmlns:a14="http://schemas.microsoft.com/office/drawing/2010/main" showMasterSp="1" showMasterPhAnim="1">
+<p:sld xmlns:a="http://schemas.openxmlformats.org/drawingml/2006/main" xmlns:r="http://schemas.openxmlformats.org/officeDocument/2006/relationships" xmlns:p="http://schemas.openxmlformats.org/presentationml/2006/main">
   <p:cSld>
     <p:spTree>
       <p:nvGrpSpPr>
@@ -4605,7 +4744,9 @@
       <p:sp>
         <p:nvSpPr>
           <p:cNvPr id="166" name="NXP JCOP 5.1 on SN100.C48 Secure Element"/>
-          <p:cNvSpPr txBox="1"/>
+          <p:cNvSpPr txBox="1">
+            <a:spLocks noGrp="1"/>
+          </p:cNvSpPr>
           <p:nvPr>
             <p:ph type="ctrTitle"/>
           </p:nvPr>
@@ -4623,7 +4764,6 @@
             </a:lvl1pPr>
           </a:lstStyle>
           <a:p>
-            <a:pPr/>
             <a:r>
               <a:t>NXP JCOP 5.1 on SN100.C48 Secure Element</a:t>
             </a:r>
@@ -4639,7 +4779,9 @@
       <p:sp>
         <p:nvSpPr>
           <p:cNvPr id="167" name="Analysis by marek Hrasna"/>
-          <p:cNvSpPr txBox="1"/>
+          <p:cNvSpPr txBox="1">
+            <a:spLocks noGrp="1"/>
+          </p:cNvSpPr>
           <p:nvPr>
             <p:ph type="subTitle" sz="quarter" idx="1"/>
           </p:nvPr>
@@ -4653,7 +4795,6 @@
           <a:bodyPr/>
           <a:lstStyle/>
           <a:p>
-            <a:pPr/>
             <a:r>
               <a:t>Analysis by marek Hrasna</a:t>
             </a:r>
@@ -4665,12 +4806,12 @@
   <p:clrMapOvr>
     <a:masterClrMapping/>
   </p:clrMapOvr>
-  <p:transition xmlns:p14="http://schemas.microsoft.com/office/powerpoint/2010/main" spd="med" advClick="1"/>
+  <p:transition spd="med"/>
 </p:sld>
 </file>
 
 <file path=ppt/slides/slide10.xml><?xml version="1.0" encoding="utf-8"?>
-<p:sld xmlns:a="http://schemas.openxmlformats.org/drawingml/2006/main" xmlns:r="http://schemas.openxmlformats.org/officeDocument/2006/relationships" xmlns:p="http://schemas.openxmlformats.org/presentationml/2006/main" xmlns:m="http://schemas.openxmlformats.org/officeDocument/2006/math" xmlns:a14="http://schemas.microsoft.com/office/drawing/2010/main" showMasterSp="1" showMasterPhAnim="1">
+<p:sld xmlns:a="http://schemas.openxmlformats.org/drawingml/2006/main" xmlns:r="http://schemas.openxmlformats.org/officeDocument/2006/relationships" xmlns:p="http://schemas.openxmlformats.org/presentationml/2006/main">
   <p:cSld>
     <p:spTree>
       <p:nvGrpSpPr>
@@ -4689,7 +4830,9 @@
       <p:sp>
         <p:nvSpPr>
           <p:cNvPr id="192" name="Sources"/>
-          <p:cNvSpPr txBox="1"/>
+          <p:cNvSpPr txBox="1">
+            <a:spLocks noGrp="1"/>
+          </p:cNvSpPr>
           <p:nvPr>
             <p:ph type="title"/>
           </p:nvPr>
@@ -4710,7 +4853,6 @@
             </a:lvl1pPr>
           </a:lstStyle>
           <a:p>
-            <a:pPr/>
             <a:r>
               <a:t>Sources</a:t>
             </a:r>
@@ -4720,7 +4862,9 @@
       <p:sp>
         <p:nvSpPr>
           <p:cNvPr id="193" name="https://www.commoncriteriaportal.org/files/epfiles/[ST-LITE]%20SecurityTarget-Lite_JCOP5.1_v2.2.pdf…"/>
-          <p:cNvSpPr txBox="1"/>
+          <p:cNvSpPr txBox="1">
+            <a:spLocks noGrp="1"/>
+          </p:cNvSpPr>
           <p:nvPr>
             <p:ph type="body" idx="1"/>
           </p:nvPr>
@@ -4734,13 +4878,12 @@
           <a:bodyPr/>
           <a:lstStyle/>
           <a:p>
-            <a:pPr/>
             <a:r>
               <a:rPr u="sng">
                 <a:solidFill>
                   <a:schemeClr val="accent1"/>
                 </a:solidFill>
-                <a:hlinkClick r:id="rId2" invalidUrl="" action="" tgtFrame="" tooltip="" history="1" highlightClick="0" endSnd="0"/>
+                <a:hlinkClick r:id="rId2"/>
               </a:rPr>
               <a:t>https://www.commoncriteriaportal.org/files/epfiles/[ST-LITE]%20SecurityTarget-Lite_JCOP5.1_v2.2.pdf</a:t>
             </a:r>
@@ -4751,13 +4894,12 @@
             </a:endParaRPr>
           </a:p>
           <a:p>
-            <a:pPr/>
             <a:r>
               <a:rPr u="sng">
                 <a:solidFill>
                   <a:schemeClr val="accent1"/>
                 </a:solidFill>
-                <a:hlinkClick r:id="rId3" invalidUrl="" action="" tgtFrame="" tooltip="" history="1" highlightClick="0" endSnd="0"/>
+                <a:hlinkClick r:id="rId3"/>
               </a:rPr>
               <a:t>https://www.commoncriteriaportal.org/files/epfiles/Certification%20Report%20NSCIB-CC-221699-CR2.pdf</a:t>
             </a:r>
@@ -4768,13 +4910,12 @@
             </a:endParaRPr>
           </a:p>
           <a:p>
-            <a:pPr/>
             <a:r>
               <a:rPr u="sng">
                 <a:solidFill>
                   <a:schemeClr val="accent1"/>
                 </a:solidFill>
-                <a:hlinkClick r:id="rId4" invalidUrl="" action="" tgtFrame="" tooltip="" history="1" highlightClick="0" endSnd="0"/>
+                <a:hlinkClick r:id="rId4"/>
               </a:rPr>
               <a:t>https://www.commoncriteriaportal.org/files/epfiles/NSCIB-CC-221699-MA.pdf</a:t>
             </a:r>
@@ -4786,12 +4927,12 @@
   <p:clrMapOvr>
     <a:masterClrMapping/>
   </p:clrMapOvr>
-  <p:transition xmlns:p14="http://schemas.microsoft.com/office/powerpoint/2010/main" spd="med" advClick="1"/>
+  <p:transition spd="med"/>
 </p:sld>
 </file>
 
 <file path=ppt/slides/slide2.xml><?xml version="1.0" encoding="utf-8"?>
-<p:sld xmlns:a="http://schemas.openxmlformats.org/drawingml/2006/main" xmlns:r="http://schemas.openxmlformats.org/officeDocument/2006/relationships" xmlns:p="http://schemas.openxmlformats.org/presentationml/2006/main" xmlns:m="http://schemas.openxmlformats.org/officeDocument/2006/math" xmlns:a14="http://schemas.microsoft.com/office/drawing/2010/main" showMasterSp="1" showMasterPhAnim="1">
+<p:sld xmlns:a="http://schemas.openxmlformats.org/drawingml/2006/main" xmlns:r="http://schemas.openxmlformats.org/officeDocument/2006/relationships" xmlns:p="http://schemas.openxmlformats.org/presentationml/2006/main">
   <p:cSld>
     <p:spTree>
       <p:nvGrpSpPr>
@@ -4810,7 +4951,9 @@
       <p:sp>
         <p:nvSpPr>
           <p:cNvPr id="169" name="TOE (Target of evaluation)"/>
-          <p:cNvSpPr txBox="1"/>
+          <p:cNvSpPr txBox="1">
+            <a:spLocks noGrp="1"/>
+          </p:cNvSpPr>
           <p:nvPr>
             <p:ph type="title"/>
           </p:nvPr>
@@ -4831,7 +4974,6 @@
             </a:lvl1pPr>
           </a:lstStyle>
           <a:p>
-            <a:pPr/>
             <a:r>
               <a:t>TOE (Target of evaluation)</a:t>
             </a:r>
@@ -4841,7 +4983,9 @@
       <p:sp>
         <p:nvSpPr>
           <p:cNvPr id="170" name="Composite TOE…"/>
-          <p:cNvSpPr txBox="1"/>
+          <p:cNvSpPr txBox="1">
+            <a:spLocks noGrp="1"/>
+          </p:cNvSpPr>
           <p:nvPr>
             <p:ph type="body" idx="1"/>
           </p:nvPr>
@@ -4855,7 +4999,6 @@
           <a:bodyPr/>
           <a:lstStyle/>
           <a:p>
-            <a:pPr/>
             <a:r>
               <a:t>Composite TOE</a:t>
             </a:r>
@@ -4873,7 +5016,6 @@
             </a:r>
           </a:p>
           <a:p>
-            <a:pPr/>
             <a:r>
               <a:t>Out of scope</a:t>
             </a:r>
@@ -4897,12 +5039,12 @@
   <p:clrMapOvr>
     <a:masterClrMapping/>
   </p:clrMapOvr>
-  <p:transition xmlns:p14="http://schemas.microsoft.com/office/powerpoint/2010/main" spd="med" advClick="1"/>
+  <p:transition spd="med"/>
 </p:sld>
 </file>
 
 <file path=ppt/slides/slide3.xml><?xml version="1.0" encoding="utf-8"?>
-<p:sld xmlns:a="http://schemas.openxmlformats.org/drawingml/2006/main" xmlns:r="http://schemas.openxmlformats.org/officeDocument/2006/relationships" xmlns:p="http://schemas.openxmlformats.org/presentationml/2006/main" xmlns:m="http://schemas.openxmlformats.org/officeDocument/2006/math" xmlns:a14="http://schemas.microsoft.com/office/drawing/2010/main" showMasterSp="1" showMasterPhAnim="1">
+<p:sld xmlns:a="http://schemas.openxmlformats.org/drawingml/2006/main" xmlns:r="http://schemas.openxmlformats.org/officeDocument/2006/relationships" xmlns:p="http://schemas.openxmlformats.org/presentationml/2006/main">
   <p:cSld>
     <p:spTree>
       <p:nvGrpSpPr>
@@ -4927,9 +5069,7 @@
           <p:nvPr/>
         </p:nvPicPr>
         <p:blipFill>
-          <a:blip r:embed="rId2">
-            <a:extLst/>
-          </a:blip>
+          <a:blip r:embed="rId2"/>
           <a:stretch>
             <a:fillRect/>
           </a:stretch>
@@ -4952,12 +5092,12 @@
   <p:clrMapOvr>
     <a:masterClrMapping/>
   </p:clrMapOvr>
-  <p:transition xmlns:p14="http://schemas.microsoft.com/office/powerpoint/2010/main" spd="med" advClick="1"/>
+  <p:transition spd="med"/>
 </p:sld>
 </file>
 
 <file path=ppt/slides/slide4.xml><?xml version="1.0" encoding="utf-8"?>
-<p:sld xmlns:a="http://schemas.openxmlformats.org/drawingml/2006/main" xmlns:r="http://schemas.openxmlformats.org/officeDocument/2006/relationships" xmlns:p="http://schemas.openxmlformats.org/presentationml/2006/main" xmlns:m="http://schemas.openxmlformats.org/officeDocument/2006/math" xmlns:a14="http://schemas.microsoft.com/office/drawing/2010/main" showMasterSp="1" showMasterPhAnim="1">
+<p:sld xmlns:a="http://schemas.openxmlformats.org/drawingml/2006/main" xmlns:r="http://schemas.openxmlformats.org/officeDocument/2006/relationships" xmlns:p="http://schemas.openxmlformats.org/presentationml/2006/main">
   <p:cSld>
     <p:spTree>
       <p:nvGrpSpPr>
@@ -4982,9 +5122,7 @@
           <p:nvPr/>
         </p:nvPicPr>
         <p:blipFill>
-          <a:blip r:embed="rId2">
-            <a:extLst/>
-          </a:blip>
+          <a:blip r:embed="rId2"/>
           <a:stretch>
             <a:fillRect/>
           </a:stretch>
@@ -5021,7 +5159,7 @@
           </a:ln>
           <a:extLst>
             <a:ext uri="{C572A759-6A51-4108-AA02-DFA0A04FC94B}">
-              <ma14:wrappingTextBoxFlag xmlns:ma14="http://schemas.microsoft.com/office/mac/drawingml/2011/main" val="1"/>
+              <ma14:wrappingTextBoxFlag xmlns:ma14="http://schemas.microsoft.com/office/mac/drawingml/2011/main" xmlns:a14="http://schemas.microsoft.com/office/drawing/2010/main" xmlns:m="http://schemas.openxmlformats.org/officeDocument/2006/math" xmlns="" val="1"/>
             </a:ext>
           </a:extLst>
         </p:spPr>
@@ -5031,7 +5169,6 @@
           </a:bodyPr>
           <a:lstStyle/>
           <a:p>
-            <a:pPr/>
             <a:r>
               <a:t>The NFC controller and system mailbox are not within the scope of the evaluation </a:t>
             </a:r>
@@ -5043,12 +5180,12 @@
   <p:clrMapOvr>
     <a:masterClrMapping/>
   </p:clrMapOvr>
-  <p:transition xmlns:p14="http://schemas.microsoft.com/office/powerpoint/2010/main" spd="med" advClick="1"/>
+  <p:transition spd="med"/>
 </p:sld>
 </file>
 
 <file path=ppt/slides/slide5.xml><?xml version="1.0" encoding="utf-8"?>
-<p:sld xmlns:a="http://schemas.openxmlformats.org/drawingml/2006/main" xmlns:r="http://schemas.openxmlformats.org/officeDocument/2006/relationships" xmlns:p="http://schemas.openxmlformats.org/presentationml/2006/main" xmlns:m="http://schemas.openxmlformats.org/officeDocument/2006/math" xmlns:a14="http://schemas.microsoft.com/office/drawing/2010/main" showMasterSp="1" showMasterPhAnim="1">
+<p:sld xmlns:a="http://schemas.openxmlformats.org/drawingml/2006/main" xmlns:r="http://schemas.openxmlformats.org/officeDocument/2006/relationships" xmlns:p="http://schemas.openxmlformats.org/presentationml/2006/main">
   <p:cSld>
     <p:spTree>
       <p:nvGrpSpPr>
@@ -5067,7 +5204,9 @@
       <p:sp>
         <p:nvSpPr>
           <p:cNvPr id="177" name="Certificate details"/>
-          <p:cNvSpPr txBox="1"/>
+          <p:cNvSpPr txBox="1">
+            <a:spLocks noGrp="1"/>
+          </p:cNvSpPr>
           <p:nvPr>
             <p:ph type="title"/>
           </p:nvPr>
@@ -5088,7 +5227,6 @@
             </a:lvl1pPr>
           </a:lstStyle>
           <a:p>
-            <a:pPr/>
             <a:r>
               <a:t>Certificate details</a:t>
             </a:r>
@@ -5098,7 +5236,9 @@
       <p:sp>
         <p:nvSpPr>
           <p:cNvPr id="178" name="Assurance Package: EAL5 augmented with AVA_VAN.5, ALC_DVS.2, ASE_TSS.2, ALC_FLR.1…"/>
-          <p:cNvSpPr txBox="1"/>
+          <p:cNvSpPr txBox="1">
+            <a:spLocks noGrp="1"/>
+          </p:cNvSpPr>
           <p:nvPr>
             <p:ph type="body" idx="1"/>
           </p:nvPr>
@@ -5194,7 +5334,7 @@
             </a:r>
           </a:p>
           <a:p>
-            <a:pPr lvl="1" marL="577850" indent="-288925" defTabSz="379729">
+            <a:pPr marL="577850" lvl="1" indent="-288925" defTabSz="379729">
               <a:spcBef>
                 <a:spcPts val="1800"/>
               </a:spcBef>
@@ -5225,12 +5365,12 @@
   <p:clrMapOvr>
     <a:masterClrMapping/>
   </p:clrMapOvr>
-  <p:transition xmlns:p14="http://schemas.microsoft.com/office/powerpoint/2010/main" spd="med" advClick="1"/>
+  <p:transition spd="med"/>
 </p:sld>
 </file>
 
 <file path=ppt/slides/slide6.xml><?xml version="1.0" encoding="utf-8"?>
-<p:sld xmlns:a="http://schemas.openxmlformats.org/drawingml/2006/main" xmlns:r="http://schemas.openxmlformats.org/officeDocument/2006/relationships" xmlns:p="http://schemas.openxmlformats.org/presentationml/2006/main" xmlns:m="http://schemas.openxmlformats.org/officeDocument/2006/math" xmlns:a14="http://schemas.microsoft.com/office/drawing/2010/main" showMasterSp="1" showMasterPhAnim="1">
+<p:sld xmlns:a="http://schemas.openxmlformats.org/drawingml/2006/main" xmlns:r="http://schemas.openxmlformats.org/officeDocument/2006/relationships" xmlns:p="http://schemas.openxmlformats.org/presentationml/2006/main">
   <p:cSld>
     <p:spTree>
       <p:nvGrpSpPr>
@@ -5249,7 +5389,9 @@
       <p:sp>
         <p:nvSpPr>
           <p:cNvPr id="180" name="Security assumptions &amp; scope"/>
-          <p:cNvSpPr txBox="1"/>
+          <p:cNvSpPr txBox="1">
+            <a:spLocks noGrp="1"/>
+          </p:cNvSpPr>
           <p:nvPr>
             <p:ph type="title"/>
           </p:nvPr>
@@ -5270,7 +5412,6 @@
             </a:lvl1pPr>
           </a:lstStyle>
           <a:p>
-            <a:pPr/>
             <a:r>
               <a:t>Security assumptions &amp; scope</a:t>
             </a:r>
@@ -5280,7 +5421,9 @@
       <p:sp>
         <p:nvSpPr>
           <p:cNvPr id="181" name="The assumptions defined in the Security Target are not covered by the TOE itself, the security objectives must be fulfilled by the TOE-environment…"/>
-          <p:cNvSpPr txBox="1"/>
+          <p:cNvSpPr txBox="1">
+            <a:spLocks noGrp="1"/>
+          </p:cNvSpPr>
           <p:nvPr>
             <p:ph type="body" idx="1"/>
           </p:nvPr>
@@ -5294,13 +5437,11 @@
           <a:bodyPr/>
           <a:lstStyle/>
           <a:p>
-            <a:pPr/>
             <a:r>
               <a:t>The assumptions defined in the Security Target are not covered by the TOE itself, the security objectives must be fulfilled by the TOE-environment </a:t>
             </a:r>
           </a:p>
           <a:p>
-            <a:pPr/>
             <a:r>
               <a:t>Proprietary applications such as FeliCa and Mifare API are included in the TOE, but there are no security claims for these applications in this certificate.</a:t>
             </a:r>
@@ -5312,12 +5453,12 @@
   <p:clrMapOvr>
     <a:masterClrMapping/>
   </p:clrMapOvr>
-  <p:transition xmlns:p14="http://schemas.microsoft.com/office/powerpoint/2010/main" spd="med" advClick="1"/>
+  <p:transition spd="med"/>
 </p:sld>
 </file>
 
 <file path=ppt/slides/slide7.xml><?xml version="1.0" encoding="utf-8"?>
-<p:sld xmlns:a="http://schemas.openxmlformats.org/drawingml/2006/main" xmlns:r="http://schemas.openxmlformats.org/officeDocument/2006/relationships" xmlns:p="http://schemas.openxmlformats.org/presentationml/2006/main" xmlns:m="http://schemas.openxmlformats.org/officeDocument/2006/math" xmlns:a14="http://schemas.microsoft.com/office/drawing/2010/main" showMasterSp="1" showMasterPhAnim="1">
+<p:sld xmlns:a="http://schemas.openxmlformats.org/drawingml/2006/main" xmlns:r="http://schemas.openxmlformats.org/officeDocument/2006/relationships" xmlns:p="http://schemas.openxmlformats.org/presentationml/2006/main">
   <p:cSld>
     <p:spTree>
       <p:nvGrpSpPr>
@@ -5336,7 +5477,9 @@
       <p:sp>
         <p:nvSpPr>
           <p:cNvPr id="183" name="Conclusion and evaluation"/>
-          <p:cNvSpPr txBox="1"/>
+          <p:cNvSpPr txBox="1">
+            <a:spLocks noGrp="1"/>
+          </p:cNvSpPr>
           <p:nvPr>
             <p:ph type="title"/>
           </p:nvPr>
@@ -5357,7 +5500,6 @@
             </a:lvl1pPr>
           </a:lstStyle>
           <a:p>
-            <a:pPr/>
             <a:r>
               <a:t>Conclusion and evaluation</a:t>
             </a:r>
@@ -5367,7 +5509,9 @@
       <p:sp>
         <p:nvSpPr>
           <p:cNvPr id="184" name="Expected results, giving assurance that TOE behaves as specified.…"/>
-          <p:cNvSpPr txBox="1"/>
+          <p:cNvSpPr txBox="1">
+            <a:spLocks noGrp="1"/>
+          </p:cNvSpPr>
           <p:nvPr>
             <p:ph type="body" idx="1"/>
           </p:nvPr>
@@ -5381,25 +5525,21 @@
           <a:bodyPr/>
           <a:lstStyle/>
           <a:p>
-            <a:pPr/>
             <a:r>
               <a:t>Expected results, giving assurance that TOE behaves as specified.</a:t>
             </a:r>
           </a:p>
           <a:p>
-            <a:pPr/>
             <a:r>
               <a:t>No exploitable vulnerabilities have been found with the independent penetration tests.</a:t>
             </a:r>
           </a:p>
           <a:p>
-            <a:pPr/>
             <a:r>
               <a:t>Algorithmic security level of cryptographic functionality has not been rated in this certification process</a:t>
             </a:r>
           </a:p>
           <a:p>
-            <a:pPr/>
             <a:r>
               <a:t>Not all key sizes have sufficient cryptographic strength (AVA_VAN.5), but still more than 80 bits</a:t>
             </a:r>
@@ -5411,12 +5551,12 @@
   <p:clrMapOvr>
     <a:masterClrMapping/>
   </p:clrMapOvr>
-  <p:transition xmlns:p14="http://schemas.microsoft.com/office/powerpoint/2010/main" spd="med" advClick="1"/>
+  <p:transition spd="med"/>
 </p:sld>
 </file>
 
 <file path=ppt/slides/slide8.xml><?xml version="1.0" encoding="utf-8"?>
-<p:sld xmlns:a="http://schemas.openxmlformats.org/drawingml/2006/main" xmlns:r="http://schemas.openxmlformats.org/officeDocument/2006/relationships" xmlns:p="http://schemas.openxmlformats.org/presentationml/2006/main" xmlns:m="http://schemas.openxmlformats.org/officeDocument/2006/math" xmlns:a14="http://schemas.microsoft.com/office/drawing/2010/main" showMasterSp="1" showMasterPhAnim="1">
+<p:sld xmlns:a="http://schemas.openxmlformats.org/drawingml/2006/main" xmlns:r="http://schemas.openxmlformats.org/officeDocument/2006/relationships" xmlns:p="http://schemas.openxmlformats.org/presentationml/2006/main">
   <p:cSld>
     <p:spTree>
       <p:nvGrpSpPr>
@@ -5435,7 +5575,9 @@
       <p:sp>
         <p:nvSpPr>
           <p:cNvPr id="186" name="Maintenance Report"/>
-          <p:cNvSpPr txBox="1"/>
+          <p:cNvSpPr txBox="1">
+            <a:spLocks noGrp="1"/>
+          </p:cNvSpPr>
           <p:nvPr>
             <p:ph type="title"/>
           </p:nvPr>
@@ -5468,6 +5610,7 @@
               <a:defRPr sz="6800"/>
             </a:pPr>
             <a:r>
+              <a:rPr dirty="0"/>
               <a:t> </a:t>
             </a:r>
           </a:p>
@@ -5476,7 +5619,9 @@
       <p:sp>
         <p:nvSpPr>
           <p:cNvPr id="187" name="There was only a minor change in the naming of the TOE and an addition to the platform manufacturing site, nothing that would impact the security functionality of the certified product."/>
-          <p:cNvSpPr txBox="1"/>
+          <p:cNvSpPr txBox="1">
+            <a:spLocks noGrp="1"/>
+          </p:cNvSpPr>
           <p:nvPr>
             <p:ph type="body" idx="1"/>
           </p:nvPr>
@@ -5490,10 +5635,25 @@
           <a:bodyPr/>
           <a:lstStyle/>
           <a:p>
-            <a:pPr/>
-            <a:r>
-              <a:t>There was only a minor change in the naming of the TOE and an addition to the platform manufacturing site, nothing that would impact the security functionality of the certified product. </a:t>
-            </a:r>
+            <a:r>
+              <a:rPr lang="en-US" dirty="0"/>
+              <a:t>Changes</a:t>
+            </a:r>
+          </a:p>
+          <a:p>
+            <a:pPr lvl="1"/>
+            <a:r>
+              <a:rPr lang="en-US" dirty="0"/>
+              <a:t>Naming of the TOE</a:t>
+            </a:r>
+          </a:p>
+          <a:p>
+            <a:pPr lvl="1"/>
+            <a:r>
+              <a:rPr lang="en-US" dirty="0"/>
+              <a:t>Added a manufacturing site</a:t>
+            </a:r>
+            <a:endParaRPr dirty="0"/>
           </a:p>
         </p:txBody>
       </p:sp>
@@ -5502,12 +5662,12 @@
   <p:clrMapOvr>
     <a:masterClrMapping/>
   </p:clrMapOvr>
-  <p:transition xmlns:p14="http://schemas.microsoft.com/office/powerpoint/2010/main" spd="med" advClick="1"/>
+  <p:transition spd="med"/>
 </p:sld>
 </file>
 
 <file path=ppt/slides/slide9.xml><?xml version="1.0" encoding="utf-8"?>
-<p:sld xmlns:a="http://schemas.openxmlformats.org/drawingml/2006/main" xmlns:r="http://schemas.openxmlformats.org/officeDocument/2006/relationships" xmlns:p="http://schemas.openxmlformats.org/presentationml/2006/main" xmlns:m="http://schemas.openxmlformats.org/officeDocument/2006/math" xmlns:a14="http://schemas.microsoft.com/office/drawing/2010/main" showMasterSp="1" showMasterPhAnim="1">
+<p:sld xmlns:a="http://schemas.openxmlformats.org/drawingml/2006/main" xmlns:r="http://schemas.openxmlformats.org/officeDocument/2006/relationships" xmlns:p="http://schemas.openxmlformats.org/presentationml/2006/main">
   <p:cSld>
     <p:spTree>
       <p:nvGrpSpPr>
@@ -5526,7 +5686,9 @@
       <p:sp>
         <p:nvSpPr>
           <p:cNvPr id="189" name="Conclusion"/>
-          <p:cNvSpPr txBox="1"/>
+          <p:cNvSpPr txBox="1">
+            <a:spLocks noGrp="1"/>
+          </p:cNvSpPr>
           <p:nvPr>
             <p:ph type="title"/>
           </p:nvPr>
@@ -5547,7 +5709,6 @@
             </a:lvl1pPr>
           </a:lstStyle>
           <a:p>
-            <a:pPr/>
             <a:r>
               <a:t>Conclusion</a:t>
             </a:r>
@@ -5557,7 +5718,9 @@
       <p:sp>
         <p:nvSpPr>
           <p:cNvPr id="190" name="The product is a modern Java Card, providing many cryptographic operations, some handy proprietary functionality and is certified for the next 4 years, so it is secure against all currently publicly known attacks."/>
-          <p:cNvSpPr txBox="1"/>
+          <p:cNvSpPr txBox="1">
+            <a:spLocks noGrp="1"/>
+          </p:cNvSpPr>
           <p:nvPr>
             <p:ph type="body" idx="1"/>
           </p:nvPr>
@@ -5571,8 +5734,8 @@
           <a:bodyPr/>
           <a:lstStyle/>
           <a:p>
-            <a:pPr/>
-            <a:r>
+            <a:r>
+              <a:rPr dirty="0"/>
               <a:t>The product is a modern Java Card, providing many cryptographic operations, some handy proprietary functionality and is certified for the next 4 years, so it is secure against all currently publicly known attacks.</a:t>
             </a:r>
           </a:p>
@@ -5583,12 +5746,12 @@
   <p:clrMapOvr>
     <a:masterClrMapping/>
   </p:clrMapOvr>
-  <p:transition xmlns:p14="http://schemas.microsoft.com/office/powerpoint/2010/main" spd="med" advClick="1"/>
+  <p:transition spd="med"/>
 </p:sld>
 </file>
 
 <file path=ppt/theme/theme1.xml><?xml version="1.0" encoding="utf-8"?>
-<a:theme xmlns:a="http://schemas.openxmlformats.org/drawingml/2006/main" xmlns:r="http://schemas.openxmlformats.org/officeDocument/2006/relationships" name="New_Template7">
+<a:theme xmlns:a="http://schemas.openxmlformats.org/drawingml/2006/main" name="New_Template7">
   <a:themeElements>
     <a:clrScheme name="New_Template7">
       <a:dk1>
@@ -5787,7 +5950,7 @@
         <a:effectLst/>
         <a:sp3d/>
       </a:spPr>
-      <a:bodyPr rot="0" spcFirstLastPara="1" vertOverflow="overflow" horzOverflow="overflow" vert="horz" wrap="square" lIns="50800" tIns="50800" rIns="50800" bIns="50800" numCol="1" spcCol="38100" rtlCol="0" anchor="ctr" upright="0">
+      <a:bodyPr rot="0" spcFirstLastPara="1" vertOverflow="overflow" horzOverflow="overflow" vert="horz" wrap="square" lIns="50800" tIns="50800" rIns="50800" bIns="50800" numCol="1" spcCol="38100" rtlCol="0" anchor="ctr">
         <a:spAutoFit/>
       </a:bodyPr>
       <a:lstStyle>
@@ -5806,7 +5969,7 @@
           <a:buFontTx/>
           <a:buNone/>
           <a:tabLst/>
-          <a:defRPr b="0" baseline="0" cap="all" i="0" spc="0" strike="noStrike" sz="2800" u="none" kumimoji="0" normalizeH="0">
+          <a:defRPr kumimoji="0" sz="2800" b="0" i="0" u="none" strike="noStrike" cap="all" spc="0" normalizeH="0" baseline="0">
             <a:ln>
               <a:noFill/>
             </a:ln>
@@ -5836,7 +5999,7 @@
           <a:buFontTx/>
           <a:buNone/>
           <a:tabLst/>
-          <a:defRPr b="0" baseline="0" cap="none" i="0" spc="0" strike="noStrike" sz="1800" u="none" kumimoji="0" normalizeH="0">
+          <a:defRPr kumimoji="0" sz="1800" b="0" i="0" u="none" strike="noStrike" cap="none" spc="0" normalizeH="0" baseline="0">
             <a:ln>
               <a:noFill/>
             </a:ln>
@@ -5862,7 +6025,7 @@
           <a:buFontTx/>
           <a:buNone/>
           <a:tabLst/>
-          <a:defRPr b="0" baseline="0" cap="none" i="0" spc="0" strike="noStrike" sz="1800" u="none" kumimoji="0" normalizeH="0">
+          <a:defRPr kumimoji="0" sz="1800" b="0" i="0" u="none" strike="noStrike" cap="none" spc="0" normalizeH="0" baseline="0">
             <a:ln>
               <a:noFill/>
             </a:ln>
@@ -5888,7 +6051,7 @@
           <a:buFontTx/>
           <a:buNone/>
           <a:tabLst/>
-          <a:defRPr b="0" baseline="0" cap="none" i="0" spc="0" strike="noStrike" sz="1800" u="none" kumimoji="0" normalizeH="0">
+          <a:defRPr kumimoji="0" sz="1800" b="0" i="0" u="none" strike="noStrike" cap="none" spc="0" normalizeH="0" baseline="0">
             <a:ln>
               <a:noFill/>
             </a:ln>
@@ -5914,7 +6077,7 @@
           <a:buFontTx/>
           <a:buNone/>
           <a:tabLst/>
-          <a:defRPr b="0" baseline="0" cap="none" i="0" spc="0" strike="noStrike" sz="1800" u="none" kumimoji="0" normalizeH="0">
+          <a:defRPr kumimoji="0" sz="1800" b="0" i="0" u="none" strike="noStrike" cap="none" spc="0" normalizeH="0" baseline="0">
             <a:ln>
               <a:noFill/>
             </a:ln>
@@ -5940,7 +6103,7 @@
           <a:buFontTx/>
           <a:buNone/>
           <a:tabLst/>
-          <a:defRPr b="0" baseline="0" cap="none" i="0" spc="0" strike="noStrike" sz="1800" u="none" kumimoji="0" normalizeH="0">
+          <a:defRPr kumimoji="0" sz="1800" b="0" i="0" u="none" strike="noStrike" cap="none" spc="0" normalizeH="0" baseline="0">
             <a:ln>
               <a:noFill/>
             </a:ln>
@@ -5966,7 +6129,7 @@
           <a:buFontTx/>
           <a:buNone/>
           <a:tabLst/>
-          <a:defRPr b="0" baseline="0" cap="none" i="0" spc="0" strike="noStrike" sz="1800" u="none" kumimoji="0" normalizeH="0">
+          <a:defRPr kumimoji="0" sz="1800" b="0" i="0" u="none" strike="noStrike" cap="none" spc="0" normalizeH="0" baseline="0">
             <a:ln>
               <a:noFill/>
             </a:ln>
@@ -5992,7 +6155,7 @@
           <a:buFontTx/>
           <a:buNone/>
           <a:tabLst/>
-          <a:defRPr b="0" baseline="0" cap="none" i="0" spc="0" strike="noStrike" sz="1800" u="none" kumimoji="0" normalizeH="0">
+          <a:defRPr kumimoji="0" sz="1800" b="0" i="0" u="none" strike="noStrike" cap="none" spc="0" normalizeH="0" baseline="0">
             <a:ln>
               <a:noFill/>
             </a:ln>
@@ -6018,7 +6181,7 @@
           <a:buFontTx/>
           <a:buNone/>
           <a:tabLst/>
-          <a:defRPr b="0" baseline="0" cap="none" i="0" spc="0" strike="noStrike" sz="1800" u="none" kumimoji="0" normalizeH="0">
+          <a:defRPr kumimoji="0" sz="1800" b="0" i="0" u="none" strike="noStrike" cap="none" spc="0" normalizeH="0" baseline="0">
             <a:ln>
               <a:noFill/>
             </a:ln>
@@ -6044,7 +6207,7 @@
           <a:buFontTx/>
           <a:buNone/>
           <a:tabLst/>
-          <a:defRPr b="0" baseline="0" cap="none" i="0" spc="0" strike="noStrike" sz="1800" u="none" kumimoji="0" normalizeH="0">
+          <a:defRPr kumimoji="0" sz="1800" b="0" i="0" u="none" strike="noStrike" cap="none" spc="0" normalizeH="0" baseline="0">
             <a:ln>
               <a:noFill/>
             </a:ln>
@@ -6057,9 +6220,15 @@
         </a:lvl9pPr>
       </a:lstStyle>
       <a:style>
-        <a:lnRef idx="0"/>
-        <a:fillRef idx="0"/>
-        <a:effectRef idx="0"/>
+        <a:lnRef idx="0">
+          <a:scrgbClr r="0" g="0" b="0"/>
+        </a:lnRef>
+        <a:fillRef idx="0">
+          <a:scrgbClr r="0" g="0" b="0"/>
+        </a:fillRef>
+        <a:effectRef idx="0">
+          <a:scrgbClr r="0" g="0" b="0"/>
+        </a:effectRef>
         <a:fontRef idx="none"/>
       </a:style>
     </a:spDef>
@@ -6076,7 +6245,7 @@
         <a:effectLst/>
         <a:sp3d/>
       </a:spPr>
-      <a:bodyPr rot="0" spcFirstLastPara="1" vertOverflow="overflow" horzOverflow="overflow" vert="horz" wrap="square" lIns="91439" tIns="45719" rIns="91439" bIns="45719" numCol="1" spcCol="38100" rtlCol="0" anchor="t" upright="0">
+      <a:bodyPr rot="0" spcFirstLastPara="1" vertOverflow="overflow" horzOverflow="overflow" vert="horz" wrap="square" lIns="91439" tIns="45719" rIns="91439" bIns="45719" numCol="1" spcCol="38100" rtlCol="0" anchor="t">
         <a:noAutofit/>
       </a:bodyPr>
       <a:lstStyle>
@@ -6095,7 +6264,7 @@
           <a:buFontTx/>
           <a:buNone/>
           <a:tabLst/>
-          <a:defRPr b="0" baseline="0" cap="none" i="0" spc="0" strike="noStrike" sz="1800" u="none" kumimoji="0" normalizeH="0">
+          <a:defRPr kumimoji="0" sz="1800" b="0" i="0" u="none" strike="noStrike" cap="none" spc="0" normalizeH="0" baseline="0">
             <a:ln>
               <a:noFill/>
             </a:ln>
@@ -6121,7 +6290,7 @@
           <a:buFontTx/>
           <a:buNone/>
           <a:tabLst/>
-          <a:defRPr b="0" baseline="0" cap="none" i="0" spc="0" strike="noStrike" sz="1800" u="none" kumimoji="0" normalizeH="0">
+          <a:defRPr kumimoji="0" sz="1800" b="0" i="0" u="none" strike="noStrike" cap="none" spc="0" normalizeH="0" baseline="0">
             <a:ln>
               <a:noFill/>
             </a:ln>
@@ -6147,7 +6316,7 @@
           <a:buFontTx/>
           <a:buNone/>
           <a:tabLst/>
-          <a:defRPr b="0" baseline="0" cap="none" i="0" spc="0" strike="noStrike" sz="1800" u="none" kumimoji="0" normalizeH="0">
+          <a:defRPr kumimoji="0" sz="1800" b="0" i="0" u="none" strike="noStrike" cap="none" spc="0" normalizeH="0" baseline="0">
             <a:ln>
               <a:noFill/>
             </a:ln>
@@ -6173,7 +6342,7 @@
           <a:buFontTx/>
           <a:buNone/>
           <a:tabLst/>
-          <a:defRPr b="0" baseline="0" cap="none" i="0" spc="0" strike="noStrike" sz="1800" u="none" kumimoji="0" normalizeH="0">
+          <a:defRPr kumimoji="0" sz="1800" b="0" i="0" u="none" strike="noStrike" cap="none" spc="0" normalizeH="0" baseline="0">
             <a:ln>
               <a:noFill/>
             </a:ln>
@@ -6199,7 +6368,7 @@
           <a:buFontTx/>
           <a:buNone/>
           <a:tabLst/>
-          <a:defRPr b="0" baseline="0" cap="none" i="0" spc="0" strike="noStrike" sz="1800" u="none" kumimoji="0" normalizeH="0">
+          <a:defRPr kumimoji="0" sz="1800" b="0" i="0" u="none" strike="noStrike" cap="none" spc="0" normalizeH="0" baseline="0">
             <a:ln>
               <a:noFill/>
             </a:ln>
@@ -6225,7 +6394,7 @@
           <a:buFontTx/>
           <a:buNone/>
           <a:tabLst/>
-          <a:defRPr b="0" baseline="0" cap="none" i="0" spc="0" strike="noStrike" sz="1800" u="none" kumimoji="0" normalizeH="0">
+          <a:defRPr kumimoji="0" sz="1800" b="0" i="0" u="none" strike="noStrike" cap="none" spc="0" normalizeH="0" baseline="0">
             <a:ln>
               <a:noFill/>
             </a:ln>
@@ -6251,7 +6420,7 @@
           <a:buFontTx/>
           <a:buNone/>
           <a:tabLst/>
-          <a:defRPr b="0" baseline="0" cap="none" i="0" spc="0" strike="noStrike" sz="1800" u="none" kumimoji="0" normalizeH="0">
+          <a:defRPr kumimoji="0" sz="1800" b="0" i="0" u="none" strike="noStrike" cap="none" spc="0" normalizeH="0" baseline="0">
             <a:ln>
               <a:noFill/>
             </a:ln>
@@ -6277,7 +6446,7 @@
           <a:buFontTx/>
           <a:buNone/>
           <a:tabLst/>
-          <a:defRPr b="0" baseline="0" cap="none" i="0" spc="0" strike="noStrike" sz="1800" u="none" kumimoji="0" normalizeH="0">
+          <a:defRPr kumimoji="0" sz="1800" b="0" i="0" u="none" strike="noStrike" cap="none" spc="0" normalizeH="0" baseline="0">
             <a:ln>
               <a:noFill/>
             </a:ln>
@@ -6303,7 +6472,7 @@
           <a:buFontTx/>
           <a:buNone/>
           <a:tabLst/>
-          <a:defRPr b="0" baseline="0" cap="none" i="0" spc="0" strike="noStrike" sz="1800" u="none" kumimoji="0" normalizeH="0">
+          <a:defRPr kumimoji="0" sz="1800" b="0" i="0" u="none" strike="noStrike" cap="none" spc="0" normalizeH="0" baseline="0">
             <a:ln>
               <a:noFill/>
             </a:ln>
@@ -6329,7 +6498,7 @@
           <a:buFontTx/>
           <a:buNone/>
           <a:tabLst/>
-          <a:defRPr b="0" baseline="0" cap="none" i="0" spc="0" strike="noStrike" sz="1800" u="none" kumimoji="0" normalizeH="0">
+          <a:defRPr kumimoji="0" sz="1800" b="0" i="0" u="none" strike="noStrike" cap="none" spc="0" normalizeH="0" baseline="0">
             <a:ln>
               <a:noFill/>
             </a:ln>
@@ -6342,9 +6511,15 @@
         </a:lvl9pPr>
       </a:lstStyle>
       <a:style>
-        <a:lnRef idx="0"/>
-        <a:fillRef idx="0"/>
-        <a:effectRef idx="0"/>
+        <a:lnRef idx="0">
+          <a:scrgbClr r="0" g="0" b="0"/>
+        </a:lnRef>
+        <a:fillRef idx="0">
+          <a:scrgbClr r="0" g="0" b="0"/>
+        </a:fillRef>
+        <a:effectRef idx="0">
+          <a:scrgbClr r="0" g="0" b="0"/>
+        </a:effectRef>
         <a:fontRef idx="none"/>
       </a:style>
     </a:lnDef>
@@ -6358,7 +6533,7 @@
         <a:effectLst/>
         <a:sp3d/>
       </a:spPr>
-      <a:bodyPr rot="0" spcFirstLastPara="1" vertOverflow="overflow" horzOverflow="overflow" vert="horz" wrap="square" lIns="50800" tIns="50800" rIns="50800" bIns="50800" numCol="1" spcCol="38100" rtlCol="0" anchor="ctr" upright="0">
+      <a:bodyPr rot="0" spcFirstLastPara="1" vertOverflow="overflow" horzOverflow="overflow" vert="horz" wrap="square" lIns="50800" tIns="50800" rIns="50800" bIns="50800" numCol="1" spcCol="38100" rtlCol="0" anchor="ctr">
         <a:spAutoFit/>
       </a:bodyPr>
       <a:lstStyle>
@@ -6377,7 +6552,7 @@
           <a:buFontTx/>
           <a:buNone/>
           <a:tabLst/>
-          <a:defRPr b="0" baseline="0" cap="none" i="0" spc="0" strike="noStrike" sz="2000" u="none" kumimoji="0" normalizeH="0">
+          <a:defRPr kumimoji="0" sz="2000" b="0" i="0" u="none" strike="noStrike" cap="none" spc="0" normalizeH="0" baseline="0">
             <a:ln>
               <a:noFill/>
             </a:ln>
@@ -6407,7 +6582,7 @@
           <a:buFontTx/>
           <a:buNone/>
           <a:tabLst/>
-          <a:defRPr b="0" baseline="0" cap="none" i="0" spc="0" strike="noStrike" sz="1800" u="none" kumimoji="0" normalizeH="0">
+          <a:defRPr kumimoji="0" sz="1800" b="0" i="0" u="none" strike="noStrike" cap="none" spc="0" normalizeH="0" baseline="0">
             <a:ln>
               <a:noFill/>
             </a:ln>
@@ -6433,7 +6608,7 @@
           <a:buFontTx/>
           <a:buNone/>
           <a:tabLst/>
-          <a:defRPr b="0" baseline="0" cap="none" i="0" spc="0" strike="noStrike" sz="1800" u="none" kumimoji="0" normalizeH="0">
+          <a:defRPr kumimoji="0" sz="1800" b="0" i="0" u="none" strike="noStrike" cap="none" spc="0" normalizeH="0" baseline="0">
             <a:ln>
               <a:noFill/>
             </a:ln>
@@ -6459,7 +6634,7 @@
           <a:buFontTx/>
           <a:buNone/>
           <a:tabLst/>
-          <a:defRPr b="0" baseline="0" cap="none" i="0" spc="0" strike="noStrike" sz="1800" u="none" kumimoji="0" normalizeH="0">
+          <a:defRPr kumimoji="0" sz="1800" b="0" i="0" u="none" strike="noStrike" cap="none" spc="0" normalizeH="0" baseline="0">
             <a:ln>
               <a:noFill/>
             </a:ln>
@@ -6485,7 +6660,7 @@
           <a:buFontTx/>
           <a:buNone/>
           <a:tabLst/>
-          <a:defRPr b="0" baseline="0" cap="none" i="0" spc="0" strike="noStrike" sz="1800" u="none" kumimoji="0" normalizeH="0">
+          <a:defRPr kumimoji="0" sz="1800" b="0" i="0" u="none" strike="noStrike" cap="none" spc="0" normalizeH="0" baseline="0">
             <a:ln>
               <a:noFill/>
             </a:ln>
@@ -6511,7 +6686,7 @@
           <a:buFontTx/>
           <a:buNone/>
           <a:tabLst/>
-          <a:defRPr b="0" baseline="0" cap="none" i="0" spc="0" strike="noStrike" sz="1800" u="none" kumimoji="0" normalizeH="0">
+          <a:defRPr kumimoji="0" sz="1800" b="0" i="0" u="none" strike="noStrike" cap="none" spc="0" normalizeH="0" baseline="0">
             <a:ln>
               <a:noFill/>
             </a:ln>
@@ -6537,7 +6712,7 @@
           <a:buFontTx/>
           <a:buNone/>
           <a:tabLst/>
-          <a:defRPr b="0" baseline="0" cap="none" i="0" spc="0" strike="noStrike" sz="1800" u="none" kumimoji="0" normalizeH="0">
+          <a:defRPr kumimoji="0" sz="1800" b="0" i="0" u="none" strike="noStrike" cap="none" spc="0" normalizeH="0" baseline="0">
             <a:ln>
               <a:noFill/>
             </a:ln>
@@ -6563,7 +6738,7 @@
           <a:buFontTx/>
           <a:buNone/>
           <a:tabLst/>
-          <a:defRPr b="0" baseline="0" cap="none" i="0" spc="0" strike="noStrike" sz="1800" u="none" kumimoji="0" normalizeH="0">
+          <a:defRPr kumimoji="0" sz="1800" b="0" i="0" u="none" strike="noStrike" cap="none" spc="0" normalizeH="0" baseline="0">
             <a:ln>
               <a:noFill/>
             </a:ln>
@@ -6589,7 +6764,7 @@
           <a:buFontTx/>
           <a:buNone/>
           <a:tabLst/>
-          <a:defRPr b="0" baseline="0" cap="none" i="0" spc="0" strike="noStrike" sz="1800" u="none" kumimoji="0" normalizeH="0">
+          <a:defRPr kumimoji="0" sz="1800" b="0" i="0" u="none" strike="noStrike" cap="none" spc="0" normalizeH="0" baseline="0">
             <a:ln>
               <a:noFill/>
             </a:ln>
@@ -6615,7 +6790,7 @@
           <a:buFontTx/>
           <a:buNone/>
           <a:tabLst/>
-          <a:defRPr b="0" baseline="0" cap="none" i="0" spc="0" strike="noStrike" sz="1800" u="none" kumimoji="0" normalizeH="0">
+          <a:defRPr kumimoji="0" sz="1800" b="0" i="0" u="none" strike="noStrike" cap="none" spc="0" normalizeH="0" baseline="0">
             <a:ln>
               <a:noFill/>
             </a:ln>
@@ -6628,18 +6803,25 @@
         </a:lvl9pPr>
       </a:lstStyle>
       <a:style>
-        <a:lnRef idx="0"/>
-        <a:fillRef idx="0"/>
-        <a:effectRef idx="0"/>
+        <a:lnRef idx="0">
+          <a:scrgbClr r="0" g="0" b="0"/>
+        </a:lnRef>
+        <a:fillRef idx="0">
+          <a:scrgbClr r="0" g="0" b="0"/>
+        </a:fillRef>
+        <a:effectRef idx="0">
+          <a:scrgbClr r="0" g="0" b="0"/>
+        </a:effectRef>
         <a:fontRef idx="none"/>
       </a:style>
     </a:txDef>
   </a:objectDefaults>
+  <a:extraClrSchemeLst/>
 </a:theme>
 </file>
 
 <file path=ppt/theme/theme2.xml><?xml version="1.0" encoding="utf-8"?>
-<a:theme xmlns:a="http://schemas.openxmlformats.org/drawingml/2006/main" xmlns:r="http://schemas.openxmlformats.org/officeDocument/2006/relationships" name="New_Template7">
+<a:theme xmlns:a="http://schemas.openxmlformats.org/drawingml/2006/main" name="New_Template7">
   <a:themeElements>
     <a:clrScheme name="New_Template7">
       <a:dk1>
@@ -6838,7 +7020,7 @@
         <a:effectLst/>
         <a:sp3d/>
       </a:spPr>
-      <a:bodyPr rot="0" spcFirstLastPara="1" vertOverflow="overflow" horzOverflow="overflow" vert="horz" wrap="square" lIns="50800" tIns="50800" rIns="50800" bIns="50800" numCol="1" spcCol="38100" rtlCol="0" anchor="ctr" upright="0">
+      <a:bodyPr rot="0" spcFirstLastPara="1" vertOverflow="overflow" horzOverflow="overflow" vert="horz" wrap="square" lIns="50800" tIns="50800" rIns="50800" bIns="50800" numCol="1" spcCol="38100" rtlCol="0" anchor="ctr">
         <a:spAutoFit/>
       </a:bodyPr>
       <a:lstStyle>
@@ -6857,7 +7039,7 @@
           <a:buFontTx/>
           <a:buNone/>
           <a:tabLst/>
-          <a:defRPr b="0" baseline="0" cap="all" i="0" spc="0" strike="noStrike" sz="2800" u="none" kumimoji="0" normalizeH="0">
+          <a:defRPr kumimoji="0" sz="2800" b="0" i="0" u="none" strike="noStrike" cap="all" spc="0" normalizeH="0" baseline="0">
             <a:ln>
               <a:noFill/>
             </a:ln>
@@ -6887,7 +7069,7 @@
           <a:buFontTx/>
           <a:buNone/>
           <a:tabLst/>
-          <a:defRPr b="0" baseline="0" cap="none" i="0" spc="0" strike="noStrike" sz="1800" u="none" kumimoji="0" normalizeH="0">
+          <a:defRPr kumimoji="0" sz="1800" b="0" i="0" u="none" strike="noStrike" cap="none" spc="0" normalizeH="0" baseline="0">
             <a:ln>
               <a:noFill/>
             </a:ln>
@@ -6913,7 +7095,7 @@
           <a:buFontTx/>
           <a:buNone/>
           <a:tabLst/>
-          <a:defRPr b="0" baseline="0" cap="none" i="0" spc="0" strike="noStrike" sz="1800" u="none" kumimoji="0" normalizeH="0">
+          <a:defRPr kumimoji="0" sz="1800" b="0" i="0" u="none" strike="noStrike" cap="none" spc="0" normalizeH="0" baseline="0">
             <a:ln>
               <a:noFill/>
             </a:ln>
@@ -6939,7 +7121,7 @@
           <a:buFontTx/>
           <a:buNone/>
           <a:tabLst/>
-          <a:defRPr b="0" baseline="0" cap="none" i="0" spc="0" strike="noStrike" sz="1800" u="none" kumimoji="0" normalizeH="0">
+          <a:defRPr kumimoji="0" sz="1800" b="0" i="0" u="none" strike="noStrike" cap="none" spc="0" normalizeH="0" baseline="0">
             <a:ln>
               <a:noFill/>
             </a:ln>
@@ -6965,7 +7147,7 @@
           <a:buFontTx/>
           <a:buNone/>
           <a:tabLst/>
-          <a:defRPr b="0" baseline="0" cap="none" i="0" spc="0" strike="noStrike" sz="1800" u="none" kumimoji="0" normalizeH="0">
+          <a:defRPr kumimoji="0" sz="1800" b="0" i="0" u="none" strike="noStrike" cap="none" spc="0" normalizeH="0" baseline="0">
             <a:ln>
               <a:noFill/>
             </a:ln>
@@ -6991,7 +7173,7 @@
           <a:buFontTx/>
           <a:buNone/>
           <a:tabLst/>
-          <a:defRPr b="0" baseline="0" cap="none" i="0" spc="0" strike="noStrike" sz="1800" u="none" kumimoji="0" normalizeH="0">
+          <a:defRPr kumimoji="0" sz="1800" b="0" i="0" u="none" strike="noStrike" cap="none" spc="0" normalizeH="0" baseline="0">
             <a:ln>
               <a:noFill/>
             </a:ln>
@@ -7017,7 +7199,7 @@
           <a:buFontTx/>
           <a:buNone/>
           <a:tabLst/>
-          <a:defRPr b="0" baseline="0" cap="none" i="0" spc="0" strike="noStrike" sz="1800" u="none" kumimoji="0" normalizeH="0">
+          <a:defRPr kumimoji="0" sz="1800" b="0" i="0" u="none" strike="noStrike" cap="none" spc="0" normalizeH="0" baseline="0">
             <a:ln>
               <a:noFill/>
             </a:ln>
@@ -7043,7 +7225,7 @@
           <a:buFontTx/>
           <a:buNone/>
           <a:tabLst/>
-          <a:defRPr b="0" baseline="0" cap="none" i="0" spc="0" strike="noStrike" sz="1800" u="none" kumimoji="0" normalizeH="0">
+          <a:defRPr kumimoji="0" sz="1800" b="0" i="0" u="none" strike="noStrike" cap="none" spc="0" normalizeH="0" baseline="0">
             <a:ln>
               <a:noFill/>
             </a:ln>
@@ -7069,7 +7251,7 @@
           <a:buFontTx/>
           <a:buNone/>
           <a:tabLst/>
-          <a:defRPr b="0" baseline="0" cap="none" i="0" spc="0" strike="noStrike" sz="1800" u="none" kumimoji="0" normalizeH="0">
+          <a:defRPr kumimoji="0" sz="1800" b="0" i="0" u="none" strike="noStrike" cap="none" spc="0" normalizeH="0" baseline="0">
             <a:ln>
               <a:noFill/>
             </a:ln>
@@ -7095,7 +7277,7 @@
           <a:buFontTx/>
           <a:buNone/>
           <a:tabLst/>
-          <a:defRPr b="0" baseline="0" cap="none" i="0" spc="0" strike="noStrike" sz="1800" u="none" kumimoji="0" normalizeH="0">
+          <a:defRPr kumimoji="0" sz="1800" b="0" i="0" u="none" strike="noStrike" cap="none" spc="0" normalizeH="0" baseline="0">
             <a:ln>
               <a:noFill/>
             </a:ln>
@@ -7108,9 +7290,15 @@
         </a:lvl9pPr>
       </a:lstStyle>
       <a:style>
-        <a:lnRef idx="0"/>
-        <a:fillRef idx="0"/>
-        <a:effectRef idx="0"/>
+        <a:lnRef idx="0">
+          <a:scrgbClr r="0" g="0" b="0"/>
+        </a:lnRef>
+        <a:fillRef idx="0">
+          <a:scrgbClr r="0" g="0" b="0"/>
+        </a:fillRef>
+        <a:effectRef idx="0">
+          <a:scrgbClr r="0" g="0" b="0"/>
+        </a:effectRef>
         <a:fontRef idx="none"/>
       </a:style>
     </a:spDef>
@@ -7127,7 +7315,7 @@
         <a:effectLst/>
         <a:sp3d/>
       </a:spPr>
-      <a:bodyPr rot="0" spcFirstLastPara="1" vertOverflow="overflow" horzOverflow="overflow" vert="horz" wrap="square" lIns="91439" tIns="45719" rIns="91439" bIns="45719" numCol="1" spcCol="38100" rtlCol="0" anchor="t" upright="0">
+      <a:bodyPr rot="0" spcFirstLastPara="1" vertOverflow="overflow" horzOverflow="overflow" vert="horz" wrap="square" lIns="91439" tIns="45719" rIns="91439" bIns="45719" numCol="1" spcCol="38100" rtlCol="0" anchor="t">
         <a:noAutofit/>
       </a:bodyPr>
       <a:lstStyle>
@@ -7146,7 +7334,7 @@
           <a:buFontTx/>
           <a:buNone/>
           <a:tabLst/>
-          <a:defRPr b="0" baseline="0" cap="none" i="0" spc="0" strike="noStrike" sz="1800" u="none" kumimoji="0" normalizeH="0">
+          <a:defRPr kumimoji="0" sz="1800" b="0" i="0" u="none" strike="noStrike" cap="none" spc="0" normalizeH="0" baseline="0">
             <a:ln>
               <a:noFill/>
             </a:ln>
@@ -7172,7 +7360,7 @@
           <a:buFontTx/>
           <a:buNone/>
           <a:tabLst/>
-          <a:defRPr b="0" baseline="0" cap="none" i="0" spc="0" strike="noStrike" sz="1800" u="none" kumimoji="0" normalizeH="0">
+          <a:defRPr kumimoji="0" sz="1800" b="0" i="0" u="none" strike="noStrike" cap="none" spc="0" normalizeH="0" baseline="0">
             <a:ln>
               <a:noFill/>
             </a:ln>
@@ -7198,7 +7386,7 @@
           <a:buFontTx/>
           <a:buNone/>
           <a:tabLst/>
-          <a:defRPr b="0" baseline="0" cap="none" i="0" spc="0" strike="noStrike" sz="1800" u="none" kumimoji="0" normalizeH="0">
+          <a:defRPr kumimoji="0" sz="1800" b="0" i="0" u="none" strike="noStrike" cap="none" spc="0" normalizeH="0" baseline="0">
             <a:ln>
               <a:noFill/>
             </a:ln>
@@ -7224,7 +7412,7 @@
           <a:buFontTx/>
           <a:buNone/>
           <a:tabLst/>
-          <a:defRPr b="0" baseline="0" cap="none" i="0" spc="0" strike="noStrike" sz="1800" u="none" kumimoji="0" normalizeH="0">
+          <a:defRPr kumimoji="0" sz="1800" b="0" i="0" u="none" strike="noStrike" cap="none" spc="0" normalizeH="0" baseline="0">
             <a:ln>
               <a:noFill/>
             </a:ln>
@@ -7250,7 +7438,7 @@
           <a:buFontTx/>
           <a:buNone/>
           <a:tabLst/>
-          <a:defRPr b="0" baseline="0" cap="none" i="0" spc="0" strike="noStrike" sz="1800" u="none" kumimoji="0" normalizeH="0">
+          <a:defRPr kumimoji="0" sz="1800" b="0" i="0" u="none" strike="noStrike" cap="none" spc="0" normalizeH="0" baseline="0">
             <a:ln>
               <a:noFill/>
             </a:ln>
@@ -7276,7 +7464,7 @@
           <a:buFontTx/>
           <a:buNone/>
           <a:tabLst/>
-          <a:defRPr b="0" baseline="0" cap="none" i="0" spc="0" strike="noStrike" sz="1800" u="none" kumimoji="0" normalizeH="0">
+          <a:defRPr kumimoji="0" sz="1800" b="0" i="0" u="none" strike="noStrike" cap="none" spc="0" normalizeH="0" baseline="0">
             <a:ln>
               <a:noFill/>
             </a:ln>
@@ -7302,7 +7490,7 @@
           <a:buFontTx/>
           <a:buNone/>
           <a:tabLst/>
-          <a:defRPr b="0" baseline="0" cap="none" i="0" spc="0" strike="noStrike" sz="1800" u="none" kumimoji="0" normalizeH="0">
+          <a:defRPr kumimoji="0" sz="1800" b="0" i="0" u="none" strike="noStrike" cap="none" spc="0" normalizeH="0" baseline="0">
             <a:ln>
               <a:noFill/>
             </a:ln>
@@ -7328,7 +7516,7 @@
           <a:buFontTx/>
           <a:buNone/>
           <a:tabLst/>
-          <a:defRPr b="0" baseline="0" cap="none" i="0" spc="0" strike="noStrike" sz="1800" u="none" kumimoji="0" normalizeH="0">
+          <a:defRPr kumimoji="0" sz="1800" b="0" i="0" u="none" strike="noStrike" cap="none" spc="0" normalizeH="0" baseline="0">
             <a:ln>
               <a:noFill/>
             </a:ln>
@@ -7354,7 +7542,7 @@
           <a:buFontTx/>
           <a:buNone/>
           <a:tabLst/>
-          <a:defRPr b="0" baseline="0" cap="none" i="0" spc="0" strike="noStrike" sz="1800" u="none" kumimoji="0" normalizeH="0">
+          <a:defRPr kumimoji="0" sz="1800" b="0" i="0" u="none" strike="noStrike" cap="none" spc="0" normalizeH="0" baseline="0">
             <a:ln>
               <a:noFill/>
             </a:ln>
@@ -7380,7 +7568,7 @@
           <a:buFontTx/>
           <a:buNone/>
           <a:tabLst/>
-          <a:defRPr b="0" baseline="0" cap="none" i="0" spc="0" strike="noStrike" sz="1800" u="none" kumimoji="0" normalizeH="0">
+          <a:defRPr kumimoji="0" sz="1800" b="0" i="0" u="none" strike="noStrike" cap="none" spc="0" normalizeH="0" baseline="0">
             <a:ln>
               <a:noFill/>
             </a:ln>
@@ -7393,9 +7581,15 @@
         </a:lvl9pPr>
       </a:lstStyle>
       <a:style>
-        <a:lnRef idx="0"/>
-        <a:fillRef idx="0"/>
-        <a:effectRef idx="0"/>
+        <a:lnRef idx="0">
+          <a:scrgbClr r="0" g="0" b="0"/>
+        </a:lnRef>
+        <a:fillRef idx="0">
+          <a:scrgbClr r="0" g="0" b="0"/>
+        </a:fillRef>
+        <a:effectRef idx="0">
+          <a:scrgbClr r="0" g="0" b="0"/>
+        </a:effectRef>
         <a:fontRef idx="none"/>
       </a:style>
     </a:lnDef>
@@ -7409,7 +7603,7 @@
         <a:effectLst/>
         <a:sp3d/>
       </a:spPr>
-      <a:bodyPr rot="0" spcFirstLastPara="1" vertOverflow="overflow" horzOverflow="overflow" vert="horz" wrap="square" lIns="50800" tIns="50800" rIns="50800" bIns="50800" numCol="1" spcCol="38100" rtlCol="0" anchor="ctr" upright="0">
+      <a:bodyPr rot="0" spcFirstLastPara="1" vertOverflow="overflow" horzOverflow="overflow" vert="horz" wrap="square" lIns="50800" tIns="50800" rIns="50800" bIns="50800" numCol="1" spcCol="38100" rtlCol="0" anchor="ctr">
         <a:spAutoFit/>
       </a:bodyPr>
       <a:lstStyle>
@@ -7428,7 +7622,7 @@
           <a:buFontTx/>
           <a:buNone/>
           <a:tabLst/>
-          <a:defRPr b="0" baseline="0" cap="none" i="0" spc="0" strike="noStrike" sz="2000" u="none" kumimoji="0" normalizeH="0">
+          <a:defRPr kumimoji="0" sz="2000" b="0" i="0" u="none" strike="noStrike" cap="none" spc="0" normalizeH="0" baseline="0">
             <a:ln>
               <a:noFill/>
             </a:ln>
@@ -7458,7 +7652,7 @@
           <a:buFontTx/>
           <a:buNone/>
           <a:tabLst/>
-          <a:defRPr b="0" baseline="0" cap="none" i="0" spc="0" strike="noStrike" sz="1800" u="none" kumimoji="0" normalizeH="0">
+          <a:defRPr kumimoji="0" sz="1800" b="0" i="0" u="none" strike="noStrike" cap="none" spc="0" normalizeH="0" baseline="0">
             <a:ln>
               <a:noFill/>
             </a:ln>
@@ -7484,7 +7678,7 @@
           <a:buFontTx/>
           <a:buNone/>
           <a:tabLst/>
-          <a:defRPr b="0" baseline="0" cap="none" i="0" spc="0" strike="noStrike" sz="1800" u="none" kumimoji="0" normalizeH="0">
+          <a:defRPr kumimoji="0" sz="1800" b="0" i="0" u="none" strike="noStrike" cap="none" spc="0" normalizeH="0" baseline="0">
             <a:ln>
               <a:noFill/>
             </a:ln>
@@ -7510,7 +7704,7 @@
           <a:buFontTx/>
           <a:buNone/>
           <a:tabLst/>
-          <a:defRPr b="0" baseline="0" cap="none" i="0" spc="0" strike="noStrike" sz="1800" u="none" kumimoji="0" normalizeH="0">
+          <a:defRPr kumimoji="0" sz="1800" b="0" i="0" u="none" strike="noStrike" cap="none" spc="0" normalizeH="0" baseline="0">
             <a:ln>
               <a:noFill/>
             </a:ln>
@@ -7536,7 +7730,7 @@
           <a:buFontTx/>
           <a:buNone/>
           <a:tabLst/>
-          <a:defRPr b="0" baseline="0" cap="none" i="0" spc="0" strike="noStrike" sz="1800" u="none" kumimoji="0" normalizeH="0">
+          <a:defRPr kumimoji="0" sz="1800" b="0" i="0" u="none" strike="noStrike" cap="none" spc="0" normalizeH="0" baseline="0">
             <a:ln>
               <a:noFill/>
             </a:ln>
@@ -7562,7 +7756,7 @@
           <a:buFontTx/>
           <a:buNone/>
           <a:tabLst/>
-          <a:defRPr b="0" baseline="0" cap="none" i="0" spc="0" strike="noStrike" sz="1800" u="none" kumimoji="0" normalizeH="0">
+          <a:defRPr kumimoji="0" sz="1800" b="0" i="0" u="none" strike="noStrike" cap="none" spc="0" normalizeH="0" baseline="0">
             <a:ln>
               <a:noFill/>
             </a:ln>
@@ -7588,7 +7782,7 @@
           <a:buFontTx/>
           <a:buNone/>
           <a:tabLst/>
-          <a:defRPr b="0" baseline="0" cap="none" i="0" spc="0" strike="noStrike" sz="1800" u="none" kumimoji="0" normalizeH="0">
+          <a:defRPr kumimoji="0" sz="1800" b="0" i="0" u="none" strike="noStrike" cap="none" spc="0" normalizeH="0" baseline="0">
             <a:ln>
               <a:noFill/>
             </a:ln>
@@ -7614,7 +7808,7 @@
           <a:buFontTx/>
           <a:buNone/>
           <a:tabLst/>
-          <a:defRPr b="0" baseline="0" cap="none" i="0" spc="0" strike="noStrike" sz="1800" u="none" kumimoji="0" normalizeH="0">
+          <a:defRPr kumimoji="0" sz="1800" b="0" i="0" u="none" strike="noStrike" cap="none" spc="0" normalizeH="0" baseline="0">
             <a:ln>
               <a:noFill/>
             </a:ln>
@@ -7640,7 +7834,7 @@
           <a:buFontTx/>
           <a:buNone/>
           <a:tabLst/>
-          <a:defRPr b="0" baseline="0" cap="none" i="0" spc="0" strike="noStrike" sz="1800" u="none" kumimoji="0" normalizeH="0">
+          <a:defRPr kumimoji="0" sz="1800" b="0" i="0" u="none" strike="noStrike" cap="none" spc="0" normalizeH="0" baseline="0">
             <a:ln>
               <a:noFill/>
             </a:ln>
@@ -7666,7 +7860,7 @@
           <a:buFontTx/>
           <a:buNone/>
           <a:tabLst/>
-          <a:defRPr b="0" baseline="0" cap="none" i="0" spc="0" strike="noStrike" sz="1800" u="none" kumimoji="0" normalizeH="0">
+          <a:defRPr kumimoji="0" sz="1800" b="0" i="0" u="none" strike="noStrike" cap="none" spc="0" normalizeH="0" baseline="0">
             <a:ln>
               <a:noFill/>
             </a:ln>
@@ -7679,12 +7873,19 @@
         </a:lvl9pPr>
       </a:lstStyle>
       <a:style>
-        <a:lnRef idx="0"/>
-        <a:fillRef idx="0"/>
-        <a:effectRef idx="0"/>
+        <a:lnRef idx="0">
+          <a:scrgbClr r="0" g="0" b="0"/>
+        </a:lnRef>
+        <a:fillRef idx="0">
+          <a:scrgbClr r="0" g="0" b="0"/>
+        </a:fillRef>
+        <a:effectRef idx="0">
+          <a:scrgbClr r="0" g="0" b="0"/>
+        </a:effectRef>
         <a:fontRef idx="none"/>
       </a:style>
     </a:txDef>
   </a:objectDefaults>
+  <a:extraClrSchemeLst/>
 </a:theme>
 </file>